--- a/documents/Online Library Management System.pptx
+++ b/documents/Online Library Management System.pptx
@@ -7,14 +7,20 @@
   <p:sldIdLst>
     <p:sldId id="256" r:id="rId2"/>
     <p:sldId id="257" r:id="rId3"/>
-    <p:sldId id="263" r:id="rId4"/>
-    <p:sldId id="273" r:id="rId5"/>
-    <p:sldId id="265" r:id="rId6"/>
-    <p:sldId id="269" r:id="rId7"/>
-    <p:sldId id="266" r:id="rId8"/>
-    <p:sldId id="270" r:id="rId9"/>
-    <p:sldId id="271" r:id="rId10"/>
-    <p:sldId id="272" r:id="rId11"/>
+    <p:sldId id="273" r:id="rId4"/>
+    <p:sldId id="276" r:id="rId5"/>
+    <p:sldId id="274" r:id="rId6"/>
+    <p:sldId id="263" r:id="rId7"/>
+    <p:sldId id="265" r:id="rId8"/>
+    <p:sldId id="269" r:id="rId9"/>
+    <p:sldId id="266" r:id="rId10"/>
+    <p:sldId id="270" r:id="rId11"/>
+    <p:sldId id="271" r:id="rId12"/>
+    <p:sldId id="272" r:id="rId13"/>
+    <p:sldId id="277" r:id="rId14"/>
+    <p:sldId id="278" r:id="rId15"/>
+    <p:sldId id="279" r:id="rId16"/>
+    <p:sldId id="280" r:id="rId17"/>
   </p:sldIdLst>
   <p:sldSz cx="12192000" cy="6858000"/>
   <p:notesSz cx="6858000" cy="9144000"/>
@@ -347,7 +353,7 @@
           <a:p>
             <a:fld id="{813DA103-5B8F-455E-8FDD-9222F823231F}" type="datetimeFigureOut">
               <a:rPr lang="ru-RU" smtClean="0"/>
-              <a:t>13.07.2022</a:t>
+              <a:t>27.07.2022</a:t>
             </a:fld>
             <a:endParaRPr lang="ru-RU"/>
           </a:p>
@@ -555,7 +561,7 @@
           <a:p>
             <a:fld id="{813DA103-5B8F-455E-8FDD-9222F823231F}" type="datetimeFigureOut">
               <a:rPr lang="ru-RU" smtClean="0"/>
-              <a:t>13.07.2022</a:t>
+              <a:t>27.07.2022</a:t>
             </a:fld>
             <a:endParaRPr lang="ru-RU"/>
           </a:p>
@@ -811,7 +817,7 @@
           <a:p>
             <a:fld id="{813DA103-5B8F-455E-8FDD-9222F823231F}" type="datetimeFigureOut">
               <a:rPr lang="ru-RU" smtClean="0"/>
-              <a:t>13.07.2022</a:t>
+              <a:t>27.07.2022</a:t>
             </a:fld>
             <a:endParaRPr lang="ru-RU"/>
           </a:p>
@@ -1072,7 +1078,7 @@
           <a:p>
             <a:fld id="{813DA103-5B8F-455E-8FDD-9222F823231F}" type="datetimeFigureOut">
               <a:rPr lang="ru-RU" smtClean="0"/>
-              <a:t>13.07.2022</a:t>
+              <a:t>27.07.2022</a:t>
             </a:fld>
             <a:endParaRPr lang="ru-RU"/>
           </a:p>
@@ -1123,7 +1129,7 @@
     </p:spTree>
     <p:extLst>
       <p:ext uri="{BB962C8B-B14F-4D97-AF65-F5344CB8AC3E}">
-        <p14:creationId xmlns:p14="http://schemas.microsoft.com/office/powerpoint/2010/main" val="2062188935"/>
+        <p14:creationId xmlns:p14="http://schemas.microsoft.com/office/powerpoint/2010/main" val="4130489198"/>
       </p:ext>
     </p:extLst>
   </p:cSld>
@@ -1242,7 +1248,7 @@
           <a:p>
             <a:fld id="{813DA103-5B8F-455E-8FDD-9222F823231F}" type="datetimeFigureOut">
               <a:rPr lang="ru-RU" smtClean="0"/>
-              <a:t>13.07.2022</a:t>
+              <a:t>27.07.2022</a:t>
             </a:fld>
             <a:endParaRPr lang="ru-RU"/>
           </a:p>
@@ -1585,7 +1591,7 @@
           <a:p>
             <a:fld id="{813DA103-5B8F-455E-8FDD-9222F823231F}" type="datetimeFigureOut">
               <a:rPr lang="ru-RU" smtClean="0"/>
-              <a:t>13.07.2022</a:t>
+              <a:t>27.07.2022</a:t>
             </a:fld>
             <a:endParaRPr lang="ru-RU"/>
           </a:p>
@@ -1860,7 +1866,7 @@
           <a:p>
             <a:fld id="{813DA103-5B8F-455E-8FDD-9222F823231F}" type="datetimeFigureOut">
               <a:rPr lang="ru-RU" smtClean="0"/>
-              <a:t>13.07.2022</a:t>
+              <a:t>27.07.2022</a:t>
             </a:fld>
             <a:endParaRPr lang="ru-RU"/>
           </a:p>
@@ -2239,7 +2245,7 @@
           <a:p>
             <a:fld id="{813DA103-5B8F-455E-8FDD-9222F823231F}" type="datetimeFigureOut">
               <a:rPr lang="ru-RU" smtClean="0"/>
-              <a:t>13.07.2022</a:t>
+              <a:t>27.07.2022</a:t>
             </a:fld>
             <a:endParaRPr lang="ru-RU"/>
           </a:p>
@@ -2357,7 +2363,7 @@
           <a:p>
             <a:fld id="{813DA103-5B8F-455E-8FDD-9222F823231F}" type="datetimeFigureOut">
               <a:rPr lang="ru-RU" smtClean="0"/>
-              <a:t>13.07.2022</a:t>
+              <a:t>27.07.2022</a:t>
             </a:fld>
             <a:endParaRPr lang="ru-RU"/>
           </a:p>
@@ -2528,7 +2534,7 @@
           <a:p>
             <a:fld id="{813DA103-5B8F-455E-8FDD-9222F823231F}" type="datetimeFigureOut">
               <a:rPr lang="ru-RU" smtClean="0"/>
-              <a:t>13.07.2022</a:t>
+              <a:t>27.07.2022</a:t>
             </a:fld>
             <a:endParaRPr lang="ru-RU"/>
           </a:p>
@@ -2882,7 +2888,7 @@
           <a:p>
             <a:fld id="{813DA103-5B8F-455E-8FDD-9222F823231F}" type="datetimeFigureOut">
               <a:rPr lang="ru-RU" smtClean="0"/>
-              <a:t>13.07.2022</a:t>
+              <a:t>27.07.2022</a:t>
             </a:fld>
             <a:endParaRPr lang="ru-RU"/>
           </a:p>
@@ -3259,7 +3265,7 @@
           <a:p>
             <a:fld id="{813DA103-5B8F-455E-8FDD-9222F823231F}" type="datetimeFigureOut">
               <a:rPr lang="ru-RU" smtClean="0"/>
-              <a:t>13.07.2022</a:t>
+              <a:t>27.07.2022</a:t>
             </a:fld>
             <a:endParaRPr lang="ru-RU"/>
           </a:p>
@@ -3546,7 +3552,7 @@
           <a:p>
             <a:fld id="{813DA103-5B8F-455E-8FDD-9222F823231F}" type="datetimeFigureOut">
               <a:rPr lang="ru-RU" smtClean="0"/>
-              <a:t>13.07.2022</a:t>
+              <a:t>27.07.2022</a:t>
             </a:fld>
             <a:endParaRPr lang="ru-RU"/>
           </a:p>
@@ -4141,8 +4147,260 @@
         </p:nvSpPr>
         <p:spPr>
           <a:xfrm>
-            <a:off x="1696773" y="114300"/>
-            <a:ext cx="8534400" cy="1612899"/>
+            <a:off x="1696773" y="220132"/>
+            <a:ext cx="8534400" cy="1507067"/>
+          </a:xfrm>
+        </p:spPr>
+        <p:txBody>
+          <a:bodyPr/>
+          <a:lstStyle/>
+          <a:p>
+            <a:pPr algn="ctr"/>
+            <a:r>
+              <a:rPr lang="en-US" dirty="0">
+                <a:latin typeface="Times New Roman" panose="02020603050405020304" pitchFamily="18" charset="0"/>
+                <a:cs typeface="Times New Roman" panose="02020603050405020304" pitchFamily="18" charset="0"/>
+              </a:rPr>
+              <a:t>User</a:t>
+            </a:r>
+            <a:endParaRPr lang="ru-RU" dirty="0">
+              <a:latin typeface="Times New Roman" panose="02020603050405020304" pitchFamily="18" charset="0"/>
+              <a:cs typeface="Times New Roman" panose="02020603050405020304" pitchFamily="18" charset="0"/>
+            </a:endParaRPr>
+          </a:p>
+        </p:txBody>
+      </p:sp>
+      <p:sp>
+        <p:nvSpPr>
+          <p:cNvPr id="3" name="Объект 2"/>
+          <p:cNvSpPr>
+            <a:spLocks noGrp="1"/>
+          </p:cNvSpPr>
+          <p:nvPr>
+            <p:ph idx="1"/>
+          </p:nvPr>
+        </p:nvSpPr>
+        <p:spPr>
+          <a:xfrm>
+            <a:off x="1696773" y="1803400"/>
+            <a:ext cx="8878093" cy="4148667"/>
+          </a:xfrm>
+        </p:spPr>
+        <p:txBody>
+          <a:bodyPr>
+            <a:normAutofit/>
+          </a:bodyPr>
+          <a:lstStyle/>
+          <a:p>
+            <a:r>
+              <a:rPr lang="en-US" sz="3200" dirty="0">
+                <a:latin typeface="Bell MT" panose="02020503060305020303" pitchFamily="18" charset="0"/>
+              </a:rPr>
+              <a:t>Contains user information with</a:t>
+            </a:r>
+          </a:p>
+          <a:p>
+            <a:r>
+              <a:rPr lang="en-US" sz="3200" dirty="0">
+                <a:latin typeface="Bell MT" panose="02020503060305020303" pitchFamily="18" charset="0"/>
+              </a:rPr>
+              <a:t>Users Role</a:t>
+            </a:r>
+          </a:p>
+          <a:p>
+            <a:r>
+              <a:rPr lang="en-US" sz="3200" dirty="0">
+                <a:latin typeface="Bell MT" panose="02020503060305020303" pitchFamily="18" charset="0"/>
+              </a:rPr>
+              <a:t>There will be two roles </a:t>
+            </a:r>
+          </a:p>
+          <a:p>
+            <a:r>
+              <a:rPr lang="en-US" sz="3200" dirty="0">
+                <a:latin typeface="Bell MT" panose="02020503060305020303" pitchFamily="18" charset="0"/>
+              </a:rPr>
+              <a:t>User – can see taken books and available books</a:t>
+            </a:r>
+          </a:p>
+          <a:p>
+            <a:r>
+              <a:rPr lang="en-US" sz="3200" dirty="0">
+                <a:latin typeface="Bell MT" panose="02020503060305020303" pitchFamily="18" charset="0"/>
+              </a:rPr>
+              <a:t>Admin – can manage all contents like Author(CRUD), Genre(CRUD), Book(CRUD) and can add Admin also</a:t>
+            </a:r>
+          </a:p>
+        </p:txBody>
+      </p:sp>
+    </p:spTree>
+    <p:extLst>
+      <p:ext uri="{BB962C8B-B14F-4D97-AF65-F5344CB8AC3E}">
+        <p14:creationId xmlns:p14="http://schemas.microsoft.com/office/powerpoint/2010/main" val="1210996525"/>
+      </p:ext>
+    </p:extLst>
+  </p:cSld>
+  <p:clrMapOvr>
+    <a:masterClrMapping/>
+  </p:clrMapOvr>
+</p:sld>
+</file>
+
+<file path=ppt/slides/slide11.xml><?xml version="1.0" encoding="utf-8"?>
+<p:sld xmlns:a="http://schemas.openxmlformats.org/drawingml/2006/main" xmlns:r="http://schemas.openxmlformats.org/officeDocument/2006/relationships" xmlns:p="http://schemas.openxmlformats.org/presentationml/2006/main">
+  <p:cSld>
+    <p:spTree>
+      <p:nvGrpSpPr>
+        <p:cNvPr id="1" name=""/>
+        <p:cNvGrpSpPr/>
+        <p:nvPr/>
+      </p:nvGrpSpPr>
+      <p:grpSpPr>
+        <a:xfrm>
+          <a:off x="0" y="0"/>
+          <a:ext cx="0" cy="0"/>
+          <a:chOff x="0" y="0"/>
+          <a:chExt cx="0" cy="0"/>
+        </a:xfrm>
+      </p:grpSpPr>
+      <p:sp>
+        <p:nvSpPr>
+          <p:cNvPr id="2" name="Заголовок 1"/>
+          <p:cNvSpPr>
+            <a:spLocks noGrp="1"/>
+          </p:cNvSpPr>
+          <p:nvPr>
+            <p:ph type="title"/>
+          </p:nvPr>
+        </p:nvSpPr>
+        <p:spPr>
+          <a:xfrm>
+            <a:off x="1696773" y="220132"/>
+            <a:ext cx="8534400" cy="1507067"/>
+          </a:xfrm>
+        </p:spPr>
+        <p:txBody>
+          <a:bodyPr/>
+          <a:lstStyle/>
+          <a:p>
+            <a:pPr algn="ctr"/>
+            <a:r>
+              <a:rPr lang="en-US" dirty="0">
+                <a:latin typeface="Times New Roman" panose="02020603050405020304" pitchFamily="18" charset="0"/>
+                <a:cs typeface="Times New Roman" panose="02020603050405020304" pitchFamily="18" charset="0"/>
+              </a:rPr>
+              <a:t>Features of Web Application</a:t>
+            </a:r>
+            <a:endParaRPr lang="ru-RU" dirty="0">
+              <a:latin typeface="Times New Roman" panose="02020603050405020304" pitchFamily="18" charset="0"/>
+              <a:cs typeface="Times New Roman" panose="02020603050405020304" pitchFamily="18" charset="0"/>
+            </a:endParaRPr>
+          </a:p>
+        </p:txBody>
+      </p:sp>
+      <p:pic>
+        <p:nvPicPr>
+          <p:cNvPr id="5" name="Content Placeholder 4">
+            <a:extLst>
+              <a:ext uri="{FF2B5EF4-FFF2-40B4-BE49-F238E27FC236}">
+                <a16:creationId xmlns:a16="http://schemas.microsoft.com/office/drawing/2014/main" id="{102A868C-5968-1E4E-198C-44E8880A02E7}"/>
+              </a:ext>
+            </a:extLst>
+          </p:cNvPr>
+          <p:cNvPicPr>
+            <a:picLocks noGrp="1" noChangeAspect="1"/>
+          </p:cNvPicPr>
+          <p:nvPr>
+            <p:ph idx="1"/>
+          </p:nvPr>
+        </p:nvPicPr>
+        <p:blipFill>
+          <a:blip r:embed="rId2"/>
+          <a:stretch>
+            <a:fillRect/>
+          </a:stretch>
+        </p:blipFill>
+        <p:spPr>
+          <a:xfrm>
+            <a:off x="495300" y="2063643"/>
+            <a:ext cx="4806542" cy="3123829"/>
+          </a:xfrm>
+        </p:spPr>
+      </p:pic>
+      <p:pic>
+        <p:nvPicPr>
+          <p:cNvPr id="7" name="Picture 6">
+            <a:extLst>
+              <a:ext uri="{FF2B5EF4-FFF2-40B4-BE49-F238E27FC236}">
+                <a16:creationId xmlns:a16="http://schemas.microsoft.com/office/drawing/2014/main" id="{2C2E92C1-7E26-9C08-88F5-A6624BA3B51A}"/>
+              </a:ext>
+            </a:extLst>
+          </p:cNvPr>
+          <p:cNvPicPr>
+            <a:picLocks noChangeAspect="1"/>
+          </p:cNvPicPr>
+          <p:nvPr/>
+        </p:nvPicPr>
+        <p:blipFill>
+          <a:blip r:embed="rId3"/>
+          <a:stretch>
+            <a:fillRect/>
+          </a:stretch>
+        </p:blipFill>
+        <p:spPr>
+          <a:xfrm rot="10800000" flipH="1" flipV="1">
+            <a:off x="5609137" y="1758008"/>
+            <a:ext cx="6182813" cy="3429464"/>
+          </a:xfrm>
+          <a:prstGeom prst="rect">
+            <a:avLst/>
+          </a:prstGeom>
+        </p:spPr>
+      </p:pic>
+    </p:spTree>
+    <p:extLst>
+      <p:ext uri="{BB962C8B-B14F-4D97-AF65-F5344CB8AC3E}">
+        <p14:creationId xmlns:p14="http://schemas.microsoft.com/office/powerpoint/2010/main" val="1979377109"/>
+      </p:ext>
+    </p:extLst>
+  </p:cSld>
+  <p:clrMapOvr>
+    <a:masterClrMapping/>
+  </p:clrMapOvr>
+</p:sld>
+</file>
+
+<file path=ppt/slides/slide12.xml><?xml version="1.0" encoding="utf-8"?>
+<p:sld xmlns:a="http://schemas.openxmlformats.org/drawingml/2006/main" xmlns:r="http://schemas.openxmlformats.org/officeDocument/2006/relationships" xmlns:p="http://schemas.openxmlformats.org/presentationml/2006/main">
+  <p:cSld>
+    <p:spTree>
+      <p:nvGrpSpPr>
+        <p:cNvPr id="1" name=""/>
+        <p:cNvGrpSpPr/>
+        <p:nvPr/>
+      </p:nvGrpSpPr>
+      <p:grpSpPr>
+        <a:xfrm>
+          <a:off x="0" y="0"/>
+          <a:ext cx="0" cy="0"/>
+          <a:chOff x="0" y="0"/>
+          <a:chExt cx="0" cy="0"/>
+        </a:xfrm>
+      </p:grpSpPr>
+      <p:sp>
+        <p:nvSpPr>
+          <p:cNvPr id="2" name="Заголовок 1"/>
+          <p:cNvSpPr>
+            <a:spLocks noGrp="1"/>
+          </p:cNvSpPr>
+          <p:nvPr>
+            <p:ph type="title"/>
+          </p:nvPr>
+        </p:nvSpPr>
+        <p:spPr>
+          <a:xfrm>
+            <a:off x="1696773" y="114301"/>
+            <a:ext cx="8534400" cy="852674"/>
           </a:xfrm>
         </p:spPr>
         <p:txBody>
@@ -4164,40 +4422,137 @@
           </a:p>
         </p:txBody>
       </p:sp>
-      <p:sp>
-        <p:nvSpPr>
-          <p:cNvPr id="3" name="Объект 2"/>
-          <p:cNvSpPr>
-            <a:spLocks noGrp="1"/>
-          </p:cNvSpPr>
-          <p:nvPr>
-            <p:ph idx="1"/>
-          </p:nvPr>
-        </p:nvSpPr>
-        <p:spPr>
-          <a:xfrm>
-            <a:off x="1696773" y="1803400"/>
-            <a:ext cx="8878093" cy="4730750"/>
-          </a:xfrm>
-        </p:spPr>
-        <p:txBody>
-          <a:bodyPr>
-            <a:normAutofit/>
-          </a:bodyPr>
-          <a:lstStyle/>
-          <a:p>
-            <a:endParaRPr lang="en-US" sz="4800" dirty="0">
-              <a:latin typeface="Bell MT" panose="02020503060305020303" pitchFamily="18" charset="0"/>
-            </a:endParaRPr>
-          </a:p>
-        </p:txBody>
-      </p:sp>
       <p:pic>
         <p:nvPicPr>
-          <p:cNvPr id="5" name="Picture 4">
+          <p:cNvPr id="6" name="Content Placeholder 5">
             <a:extLst>
               <a:ext uri="{FF2B5EF4-FFF2-40B4-BE49-F238E27FC236}">
-                <a16:creationId xmlns:a16="http://schemas.microsoft.com/office/drawing/2014/main" id="{BB822622-8B88-C7D4-1D83-DF313B70AF67}"/>
+                <a16:creationId xmlns:a16="http://schemas.microsoft.com/office/drawing/2014/main" id="{073313CE-7AE1-1833-7C7E-DF81FA0D7A17}"/>
+              </a:ext>
+            </a:extLst>
+          </p:cNvPr>
+          <p:cNvPicPr>
+            <a:picLocks noGrp="1" noChangeAspect="1"/>
+          </p:cNvPicPr>
+          <p:nvPr>
+            <p:ph idx="1"/>
+          </p:nvPr>
+        </p:nvPicPr>
+        <p:blipFill>
+          <a:blip r:embed="rId2"/>
+          <a:stretch>
+            <a:fillRect/>
+          </a:stretch>
+        </p:blipFill>
+        <p:spPr>
+          <a:xfrm>
+            <a:off x="1294365" y="1208015"/>
+            <a:ext cx="10005605" cy="4683011"/>
+          </a:xfrm>
+        </p:spPr>
+      </p:pic>
+    </p:spTree>
+    <p:extLst>
+      <p:ext uri="{BB962C8B-B14F-4D97-AF65-F5344CB8AC3E}">
+        <p14:creationId xmlns:p14="http://schemas.microsoft.com/office/powerpoint/2010/main" val="333681129"/>
+      </p:ext>
+    </p:extLst>
+  </p:cSld>
+  <p:clrMapOvr>
+    <a:masterClrMapping/>
+  </p:clrMapOvr>
+</p:sld>
+</file>
+
+<file path=ppt/slides/slide13.xml><?xml version="1.0" encoding="utf-8"?>
+<p:sld xmlns:a="http://schemas.openxmlformats.org/drawingml/2006/main" xmlns:r="http://schemas.openxmlformats.org/officeDocument/2006/relationships" xmlns:p="http://schemas.openxmlformats.org/presentationml/2006/main">
+  <p:cSld>
+    <p:spTree>
+      <p:nvGrpSpPr>
+        <p:cNvPr id="1" name=""/>
+        <p:cNvGrpSpPr/>
+        <p:nvPr/>
+      </p:nvGrpSpPr>
+      <p:grpSpPr>
+        <a:xfrm>
+          <a:off x="0" y="0"/>
+          <a:ext cx="0" cy="0"/>
+          <a:chOff x="0" y="0"/>
+          <a:chExt cx="0" cy="0"/>
+        </a:xfrm>
+      </p:grpSpPr>
+      <p:sp>
+        <p:nvSpPr>
+          <p:cNvPr id="2" name="Title 1">
+            <a:extLst>
+              <a:ext uri="{FF2B5EF4-FFF2-40B4-BE49-F238E27FC236}">
+                <a16:creationId xmlns:a16="http://schemas.microsoft.com/office/drawing/2014/main" id="{B07B0776-54B6-06E4-EB29-3D9633540E7E}"/>
+              </a:ext>
+            </a:extLst>
+          </p:cNvPr>
+          <p:cNvSpPr>
+            <a:spLocks noGrp="1"/>
+          </p:cNvSpPr>
+          <p:nvPr>
+            <p:ph type="title"/>
+          </p:nvPr>
+        </p:nvSpPr>
+        <p:spPr>
+          <a:xfrm>
+            <a:off x="1097280" y="286604"/>
+            <a:ext cx="10058400" cy="771464"/>
+          </a:xfrm>
+        </p:spPr>
+        <p:txBody>
+          <a:bodyPr/>
+          <a:lstStyle/>
+          <a:p>
+            <a:pPr algn="ctr"/>
+            <a:r>
+              <a:rPr lang="en-US" dirty="0">
+                <a:latin typeface="Times New Roman" panose="02020603050405020304" pitchFamily="18" charset="0"/>
+                <a:cs typeface="Times New Roman" panose="02020603050405020304" pitchFamily="18" charset="0"/>
+              </a:rPr>
+              <a:t>Admins can manage All(Book Entities)</a:t>
+            </a:r>
+          </a:p>
+        </p:txBody>
+      </p:sp>
+      <p:pic>
+        <p:nvPicPr>
+          <p:cNvPr id="5" name="Content Placeholder 4">
+            <a:extLst>
+              <a:ext uri="{FF2B5EF4-FFF2-40B4-BE49-F238E27FC236}">
+                <a16:creationId xmlns:a16="http://schemas.microsoft.com/office/drawing/2014/main" id="{4CA9A6B7-6AF8-5EB6-AC02-6F59F9B7F4CC}"/>
+              </a:ext>
+            </a:extLst>
+          </p:cNvPr>
+          <p:cNvPicPr>
+            <a:picLocks noGrp="1" noChangeAspect="1"/>
+          </p:cNvPicPr>
+          <p:nvPr>
+            <p:ph idx="1"/>
+          </p:nvPr>
+        </p:nvPicPr>
+        <p:blipFill>
+          <a:blip r:embed="rId2"/>
+          <a:stretch>
+            <a:fillRect/>
+          </a:stretch>
+        </p:blipFill>
+        <p:spPr>
+          <a:xfrm>
+            <a:off x="1500332" y="1777208"/>
+            <a:ext cx="8848990" cy="4022725"/>
+          </a:xfrm>
+        </p:spPr>
+      </p:pic>
+      <p:pic>
+        <p:nvPicPr>
+          <p:cNvPr id="7" name="Picture 6">
+            <a:extLst>
+              <a:ext uri="{FF2B5EF4-FFF2-40B4-BE49-F238E27FC236}">
+                <a16:creationId xmlns:a16="http://schemas.microsoft.com/office/drawing/2014/main" id="{3F5C2428-C426-1DE8-5FA2-30BE624C3B3E}"/>
               </a:ext>
             </a:extLst>
           </p:cNvPr>
@@ -4214,8 +4569,38 @@
         </p:blipFill>
         <p:spPr>
           <a:xfrm>
-            <a:off x="0" y="1803400"/>
-            <a:ext cx="12192000" cy="5118582"/>
+            <a:off x="64036" y="1295774"/>
+            <a:ext cx="12192000" cy="5275622"/>
+          </a:xfrm>
+          <a:prstGeom prst="rect">
+            <a:avLst/>
+          </a:prstGeom>
+        </p:spPr>
+      </p:pic>
+      <p:pic>
+        <p:nvPicPr>
+          <p:cNvPr id="9" name="Picture 8">
+            <a:extLst>
+              <a:ext uri="{FF2B5EF4-FFF2-40B4-BE49-F238E27FC236}">
+                <a16:creationId xmlns:a16="http://schemas.microsoft.com/office/drawing/2014/main" id="{DBA27C96-60E4-0944-F134-035C77F0B574}"/>
+              </a:ext>
+            </a:extLst>
+          </p:cNvPr>
+          <p:cNvPicPr>
+            <a:picLocks noChangeAspect="1"/>
+          </p:cNvPicPr>
+          <p:nvPr/>
+        </p:nvPicPr>
+        <p:blipFill>
+          <a:blip r:embed="rId2"/>
+          <a:stretch>
+            <a:fillRect/>
+          </a:stretch>
+        </p:blipFill>
+        <p:spPr>
+          <a:xfrm>
+            <a:off x="64036" y="1295774"/>
+            <a:ext cx="12192000" cy="5122563"/>
           </a:xfrm>
           <a:prstGeom prst="rect">
             <a:avLst/>
@@ -4225,7 +4610,320 @@
     </p:spTree>
     <p:extLst>
       <p:ext uri="{BB962C8B-B14F-4D97-AF65-F5344CB8AC3E}">
-        <p14:creationId xmlns:p14="http://schemas.microsoft.com/office/powerpoint/2010/main" val="333681129"/>
+        <p14:creationId xmlns:p14="http://schemas.microsoft.com/office/powerpoint/2010/main" val="738009619"/>
+      </p:ext>
+    </p:extLst>
+  </p:cSld>
+  <p:clrMapOvr>
+    <a:masterClrMapping/>
+  </p:clrMapOvr>
+</p:sld>
+</file>
+
+<file path=ppt/slides/slide14.xml><?xml version="1.0" encoding="utf-8"?>
+<p:sld xmlns:a="http://schemas.openxmlformats.org/drawingml/2006/main" xmlns:r="http://schemas.openxmlformats.org/officeDocument/2006/relationships" xmlns:p="http://schemas.openxmlformats.org/presentationml/2006/main">
+  <p:cSld>
+    <p:spTree>
+      <p:nvGrpSpPr>
+        <p:cNvPr id="1" name=""/>
+        <p:cNvGrpSpPr/>
+        <p:nvPr/>
+      </p:nvGrpSpPr>
+      <p:grpSpPr>
+        <a:xfrm>
+          <a:off x="0" y="0"/>
+          <a:ext cx="0" cy="0"/>
+          <a:chOff x="0" y="0"/>
+          <a:chExt cx="0" cy="0"/>
+        </a:xfrm>
+      </p:grpSpPr>
+      <p:sp>
+        <p:nvSpPr>
+          <p:cNvPr id="2" name="Заголовок 1"/>
+          <p:cNvSpPr>
+            <a:spLocks noGrp="1"/>
+          </p:cNvSpPr>
+          <p:nvPr>
+            <p:ph type="title"/>
+          </p:nvPr>
+        </p:nvSpPr>
+        <p:spPr>
+          <a:xfrm>
+            <a:off x="1696773" y="114301"/>
+            <a:ext cx="8534400" cy="852674"/>
+          </a:xfrm>
+        </p:spPr>
+        <p:txBody>
+          <a:bodyPr/>
+          <a:lstStyle/>
+          <a:p>
+            <a:pPr algn="ctr"/>
+            <a:r>
+              <a:rPr lang="en-US" dirty="0">
+                <a:latin typeface="Times New Roman" panose="02020603050405020304" pitchFamily="18" charset="0"/>
+                <a:cs typeface="Times New Roman" panose="02020603050405020304" pitchFamily="18" charset="0"/>
+              </a:rPr>
+              <a:t>List of books without registration</a:t>
+            </a:r>
+            <a:endParaRPr lang="ru-RU" dirty="0">
+              <a:latin typeface="Times New Roman" panose="02020603050405020304" pitchFamily="18" charset="0"/>
+              <a:cs typeface="Times New Roman" panose="02020603050405020304" pitchFamily="18" charset="0"/>
+            </a:endParaRPr>
+          </a:p>
+        </p:txBody>
+      </p:sp>
+      <p:pic>
+        <p:nvPicPr>
+          <p:cNvPr id="7" name="Content Placeholder 6">
+            <a:extLst>
+              <a:ext uri="{FF2B5EF4-FFF2-40B4-BE49-F238E27FC236}">
+                <a16:creationId xmlns:a16="http://schemas.microsoft.com/office/drawing/2014/main" id="{B53C7418-9798-6C7C-E9DD-F992053E006D}"/>
+              </a:ext>
+            </a:extLst>
+          </p:cNvPr>
+          <p:cNvPicPr>
+            <a:picLocks noGrp="1" noChangeAspect="1"/>
+          </p:cNvPicPr>
+          <p:nvPr>
+            <p:ph idx="1"/>
+          </p:nvPr>
+        </p:nvPicPr>
+        <p:blipFill>
+          <a:blip r:embed="rId2"/>
+          <a:stretch>
+            <a:fillRect/>
+          </a:stretch>
+        </p:blipFill>
+        <p:spPr>
+          <a:xfrm>
+            <a:off x="934773" y="1493241"/>
+            <a:ext cx="10058400" cy="4353886"/>
+          </a:xfrm>
+        </p:spPr>
+      </p:pic>
+    </p:spTree>
+    <p:extLst>
+      <p:ext uri="{BB962C8B-B14F-4D97-AF65-F5344CB8AC3E}">
+        <p14:creationId xmlns:p14="http://schemas.microsoft.com/office/powerpoint/2010/main" val="1090421948"/>
+      </p:ext>
+    </p:extLst>
+  </p:cSld>
+  <p:clrMapOvr>
+    <a:masterClrMapping/>
+  </p:clrMapOvr>
+</p:sld>
+</file>
+
+<file path=ppt/slides/slide15.xml><?xml version="1.0" encoding="utf-8"?>
+<p:sld xmlns:a="http://schemas.openxmlformats.org/drawingml/2006/main" xmlns:r="http://schemas.openxmlformats.org/officeDocument/2006/relationships" xmlns:p="http://schemas.openxmlformats.org/presentationml/2006/main">
+  <p:cSld>
+    <p:spTree>
+      <p:nvGrpSpPr>
+        <p:cNvPr id="1" name=""/>
+        <p:cNvGrpSpPr/>
+        <p:nvPr/>
+      </p:nvGrpSpPr>
+      <p:grpSpPr>
+        <a:xfrm>
+          <a:off x="0" y="0"/>
+          <a:ext cx="0" cy="0"/>
+          <a:chOff x="0" y="0"/>
+          <a:chExt cx="0" cy="0"/>
+        </a:xfrm>
+      </p:grpSpPr>
+      <p:sp>
+        <p:nvSpPr>
+          <p:cNvPr id="2" name="Заголовок 1"/>
+          <p:cNvSpPr>
+            <a:spLocks noGrp="1"/>
+          </p:cNvSpPr>
+          <p:nvPr>
+            <p:ph type="title"/>
+          </p:nvPr>
+        </p:nvSpPr>
+        <p:spPr>
+          <a:xfrm>
+            <a:off x="1696773" y="114301"/>
+            <a:ext cx="8534400" cy="852674"/>
+          </a:xfrm>
+        </p:spPr>
+        <p:txBody>
+          <a:bodyPr>
+            <a:noAutofit/>
+          </a:bodyPr>
+          <a:lstStyle/>
+          <a:p>
+            <a:pPr algn="ctr"/>
+            <a:r>
+              <a:rPr lang="en-US" sz="3600" dirty="0">
+                <a:latin typeface="Times New Roman" panose="02020603050405020304" pitchFamily="18" charset="0"/>
+                <a:cs typeface="Times New Roman" panose="02020603050405020304" pitchFamily="18" charset="0"/>
+              </a:rPr>
+              <a:t>Users Personal Cabinet(Can see taken books)</a:t>
+            </a:r>
+            <a:endParaRPr lang="ru-RU" sz="3600" dirty="0">
+              <a:latin typeface="Times New Roman" panose="02020603050405020304" pitchFamily="18" charset="0"/>
+              <a:cs typeface="Times New Roman" panose="02020603050405020304" pitchFamily="18" charset="0"/>
+            </a:endParaRPr>
+          </a:p>
+        </p:txBody>
+      </p:sp>
+      <p:pic>
+        <p:nvPicPr>
+          <p:cNvPr id="7" name="Content Placeholder 6">
+            <a:extLst>
+              <a:ext uri="{FF2B5EF4-FFF2-40B4-BE49-F238E27FC236}">
+                <a16:creationId xmlns:a16="http://schemas.microsoft.com/office/drawing/2014/main" id="{B53C7418-9798-6C7C-E9DD-F992053E006D}"/>
+              </a:ext>
+            </a:extLst>
+          </p:cNvPr>
+          <p:cNvPicPr>
+            <a:picLocks noGrp="1" noChangeAspect="1"/>
+          </p:cNvPicPr>
+          <p:nvPr>
+            <p:ph idx="1"/>
+          </p:nvPr>
+        </p:nvPicPr>
+        <p:blipFill>
+          <a:blip r:embed="rId2"/>
+          <a:stretch>
+            <a:fillRect/>
+          </a:stretch>
+        </p:blipFill>
+        <p:spPr>
+          <a:xfrm>
+            <a:off x="934773" y="1493241"/>
+            <a:ext cx="10058400" cy="4353886"/>
+          </a:xfrm>
+        </p:spPr>
+      </p:pic>
+      <p:pic>
+        <p:nvPicPr>
+          <p:cNvPr id="4" name="Picture 3">
+            <a:extLst>
+              <a:ext uri="{FF2B5EF4-FFF2-40B4-BE49-F238E27FC236}">
+                <a16:creationId xmlns:a16="http://schemas.microsoft.com/office/drawing/2014/main" id="{7C94CB16-75CC-250A-4460-A31C52AB0B53}"/>
+              </a:ext>
+            </a:extLst>
+          </p:cNvPr>
+          <p:cNvPicPr>
+            <a:picLocks noChangeAspect="1"/>
+          </p:cNvPicPr>
+          <p:nvPr/>
+        </p:nvPicPr>
+        <p:blipFill>
+          <a:blip r:embed="rId3"/>
+          <a:stretch>
+            <a:fillRect/>
+          </a:stretch>
+        </p:blipFill>
+        <p:spPr>
+          <a:xfrm>
+            <a:off x="0" y="1375794"/>
+            <a:ext cx="12192000" cy="5526104"/>
+          </a:xfrm>
+          <a:prstGeom prst="rect">
+            <a:avLst/>
+          </a:prstGeom>
+        </p:spPr>
+      </p:pic>
+    </p:spTree>
+    <p:extLst>
+      <p:ext uri="{BB962C8B-B14F-4D97-AF65-F5344CB8AC3E}">
+        <p14:creationId xmlns:p14="http://schemas.microsoft.com/office/powerpoint/2010/main" val="2053593677"/>
+      </p:ext>
+    </p:extLst>
+  </p:cSld>
+  <p:clrMapOvr>
+    <a:masterClrMapping/>
+  </p:clrMapOvr>
+</p:sld>
+</file>
+
+<file path=ppt/slides/slide16.xml><?xml version="1.0" encoding="utf-8"?>
+<p:sld xmlns:a="http://schemas.openxmlformats.org/drawingml/2006/main" xmlns:r="http://schemas.openxmlformats.org/officeDocument/2006/relationships" xmlns:p="http://schemas.openxmlformats.org/presentationml/2006/main">
+  <p:cSld>
+    <p:spTree>
+      <p:nvGrpSpPr>
+        <p:cNvPr id="1" name=""/>
+        <p:cNvGrpSpPr/>
+        <p:nvPr/>
+      </p:nvGrpSpPr>
+      <p:grpSpPr>
+        <a:xfrm>
+          <a:off x="0" y="0"/>
+          <a:ext cx="0" cy="0"/>
+          <a:chOff x="0" y="0"/>
+          <a:chExt cx="0" cy="0"/>
+        </a:xfrm>
+      </p:grpSpPr>
+      <p:sp>
+        <p:nvSpPr>
+          <p:cNvPr id="2" name="Title 1">
+            <a:extLst>
+              <a:ext uri="{FF2B5EF4-FFF2-40B4-BE49-F238E27FC236}">
+                <a16:creationId xmlns:a16="http://schemas.microsoft.com/office/drawing/2014/main" id="{36617316-95C0-90EF-95D6-4F4BD477F56F}"/>
+              </a:ext>
+            </a:extLst>
+          </p:cNvPr>
+          <p:cNvSpPr>
+            <a:spLocks noGrp="1"/>
+          </p:cNvSpPr>
+          <p:nvPr>
+            <p:ph type="title"/>
+          </p:nvPr>
+        </p:nvSpPr>
+        <p:spPr/>
+        <p:txBody>
+          <a:bodyPr>
+            <a:normAutofit/>
+          </a:bodyPr>
+          <a:lstStyle/>
+          <a:p>
+            <a:pPr algn="ctr"/>
+            <a:r>
+              <a:rPr lang="en-US" sz="4400" dirty="0">
+                <a:latin typeface="Times New Roman" panose="02020603050405020304" pitchFamily="18" charset="0"/>
+                <a:cs typeface="Times New Roman" panose="02020603050405020304" pitchFamily="18" charset="0"/>
+              </a:rPr>
+              <a:t>Control of given and taken books(For admin)</a:t>
+            </a:r>
+          </a:p>
+        </p:txBody>
+      </p:sp>
+      <p:pic>
+        <p:nvPicPr>
+          <p:cNvPr id="5" name="Content Placeholder 4">
+            <a:extLst>
+              <a:ext uri="{FF2B5EF4-FFF2-40B4-BE49-F238E27FC236}">
+                <a16:creationId xmlns:a16="http://schemas.microsoft.com/office/drawing/2014/main" id="{D36CE5B0-E486-6A1D-6427-EFCBB9F0425A}"/>
+              </a:ext>
+            </a:extLst>
+          </p:cNvPr>
+          <p:cNvPicPr>
+            <a:picLocks noGrp="1" noChangeAspect="1"/>
+          </p:cNvPicPr>
+          <p:nvPr>
+            <p:ph idx="1"/>
+          </p:nvPr>
+        </p:nvPicPr>
+        <p:blipFill>
+          <a:blip r:embed="rId2"/>
+          <a:stretch>
+            <a:fillRect/>
+          </a:stretch>
+        </p:blipFill>
+        <p:spPr>
+          <a:xfrm>
+            <a:off x="2416029" y="1737361"/>
+            <a:ext cx="7482979" cy="4378214"/>
+          </a:xfrm>
+        </p:spPr>
+      </p:pic>
+    </p:spTree>
+    <p:extLst>
+      <p:ext uri="{BB962C8B-B14F-4D97-AF65-F5344CB8AC3E}">
+        <p14:creationId xmlns:p14="http://schemas.microsoft.com/office/powerpoint/2010/main" val="1504225434"/>
       </p:ext>
     </p:extLst>
   </p:cSld>
@@ -4315,6 +5013,9 @@
           <a:bodyPr/>
           <a:lstStyle/>
           <a:p>
+            <a:pPr marL="0" indent="0">
+              <a:buNone/>
+            </a:pPr>
             <a:r>
               <a:rPr lang="en-US" dirty="0">
                 <a:solidFill>
@@ -4322,7 +5023,7 @@
                 </a:solidFill>
                 <a:latin typeface="Bell MT" panose="02020503060305020303" pitchFamily="18" charset="0"/>
               </a:rPr>
-              <a:t>For managing and automation Library management</a:t>
+              <a:t> For managing and automation Library management</a:t>
             </a:r>
           </a:p>
           <a:p>
@@ -4344,7 +5045,7 @@
                 </a:solidFill>
                 <a:latin typeface="Bell MT" panose="02020503060305020303" pitchFamily="18" charset="0"/>
               </a:rPr>
-              <a:t>Administrators – Can manage Books, Authors, Genres and User</a:t>
+              <a:t>Administrators – Can manage Books, Authors, Genres and Users</a:t>
             </a:r>
           </a:p>
           <a:p>
@@ -4377,7 +5078,7 @@
                 </a:solidFill>
                 <a:latin typeface="Bell MT" panose="02020503060305020303" pitchFamily="18" charset="0"/>
               </a:rPr>
-              <a:t>Functionalities – Without any registration or logging in all users can see our available books(Contains searching also)</a:t>
+              <a:t>Functionalities – Without any registration or logging in all users can see our available books(Contains searching )</a:t>
             </a:r>
           </a:p>
         </p:txBody>
@@ -4424,8 +5125,8 @@
         </p:nvSpPr>
         <p:spPr>
           <a:xfrm>
-            <a:off x="1764507" y="304800"/>
-            <a:ext cx="2358760" cy="1507067"/>
+            <a:off x="1696773" y="220132"/>
+            <a:ext cx="8534400" cy="1507067"/>
           </a:xfrm>
         </p:spPr>
         <p:txBody>
@@ -4435,600 +5136,116 @@
             <a:pPr algn="ctr"/>
             <a:r>
               <a:rPr lang="en-US" dirty="0">
-                <a:solidFill>
-                  <a:schemeClr val="accent5">
-                    <a:lumMod val="40000"/>
-                    <a:lumOff val="60000"/>
-                  </a:schemeClr>
+                <a:latin typeface="Times New Roman" panose="02020603050405020304" pitchFamily="18" charset="0"/>
+                <a:cs typeface="Times New Roman" panose="02020603050405020304" pitchFamily="18" charset="0"/>
+              </a:rPr>
+              <a:t>Used Technologies</a:t>
+            </a:r>
+            <a:endParaRPr lang="ru-RU" dirty="0">
+              <a:latin typeface="Times New Roman" panose="02020603050405020304" pitchFamily="18" charset="0"/>
+              <a:cs typeface="Times New Roman" panose="02020603050405020304" pitchFamily="18" charset="0"/>
+            </a:endParaRPr>
+          </a:p>
+        </p:txBody>
+      </p:sp>
+      <p:sp>
+        <p:nvSpPr>
+          <p:cNvPr id="3" name="Объект 2"/>
+          <p:cNvSpPr>
+            <a:spLocks noGrp="1"/>
+          </p:cNvSpPr>
+          <p:nvPr>
+            <p:ph idx="1"/>
+          </p:nvPr>
+        </p:nvSpPr>
+        <p:spPr>
+          <a:xfrm>
+            <a:off x="1696773" y="1803400"/>
+            <a:ext cx="8878093" cy="4148667"/>
+          </a:xfrm>
+        </p:spPr>
+        <p:txBody>
+          <a:bodyPr>
+            <a:normAutofit/>
+          </a:bodyPr>
+          <a:lstStyle/>
+          <a:p>
+            <a:r>
+              <a:rPr lang="en-US" sz="3200" dirty="0">
+                <a:solidFill>
+                  <a:schemeClr val="tx1"/>
                 </a:solidFill>
                 <a:latin typeface="Bell MT" panose="02020503060305020303" pitchFamily="18" charset="0"/>
               </a:rPr>
-              <a:t>Message</a:t>
-            </a:r>
-            <a:endParaRPr lang="ru-RU" dirty="0">
-              <a:solidFill>
-                <a:schemeClr val="accent5">
-                  <a:lumMod val="40000"/>
-                  <a:lumOff val="60000"/>
-                </a:schemeClr>
-              </a:solidFill>
-            </a:endParaRPr>
-          </a:p>
-        </p:txBody>
-      </p:sp>
-      <p:sp>
-        <p:nvSpPr>
-          <p:cNvPr id="4" name="Текст 3"/>
-          <p:cNvSpPr>
-            <a:spLocks noGrp="1"/>
-          </p:cNvSpPr>
-          <p:nvPr>
-            <p:ph type="body" sz="quarter" idx="14"/>
-          </p:nvPr>
-        </p:nvSpPr>
-        <p:spPr>
-          <a:xfrm>
-            <a:off x="1980407" y="1811867"/>
-            <a:ext cx="2142860" cy="2599265"/>
-          </a:xfrm>
-        </p:spPr>
-        <p:txBody>
-          <a:bodyPr>
-            <a:noAutofit/>
-          </a:bodyPr>
-          <a:lstStyle/>
-          <a:p>
-            <a:pPr marL="285750" indent="-285750">
-              <a:buFont typeface="Arial" panose="020B0604020202020204" pitchFamily="34" charset="0"/>
-              <a:buChar char="•"/>
-            </a:pPr>
-            <a:r>
-              <a:rPr lang="en-US" sz="2400" dirty="0">
-                <a:solidFill>
-                  <a:schemeClr val="accent5">
-                    <a:lumMod val="40000"/>
-                    <a:lumOff val="60000"/>
-                  </a:schemeClr>
+              <a:t>Java 11</a:t>
+            </a:r>
+          </a:p>
+          <a:p>
+            <a:r>
+              <a:rPr lang="en-US" sz="3200" dirty="0">
+                <a:solidFill>
+                  <a:schemeClr val="tx1"/>
                 </a:solidFill>
                 <a:latin typeface="Bell MT" panose="02020503060305020303" pitchFamily="18" charset="0"/>
               </a:rPr>
-              <a:t>Id</a:t>
-            </a:r>
-          </a:p>
-          <a:p>
-            <a:pPr marL="285750" indent="-285750">
-              <a:buFont typeface="Arial" panose="020B0604020202020204" pitchFamily="34" charset="0"/>
-              <a:buChar char="•"/>
-            </a:pPr>
-            <a:r>
-              <a:rPr lang="en-US" sz="2400" dirty="0">
-                <a:solidFill>
-                  <a:schemeClr val="accent5">
-                    <a:lumMod val="40000"/>
-                    <a:lumOff val="60000"/>
-                  </a:schemeClr>
+              <a:t>JDBC </a:t>
+            </a:r>
+          </a:p>
+          <a:p>
+            <a:r>
+              <a:rPr lang="en-US" sz="3200" dirty="0">
+                <a:solidFill>
+                  <a:schemeClr val="tx1"/>
                 </a:solidFill>
                 <a:latin typeface="Bell MT" panose="02020503060305020303" pitchFamily="18" charset="0"/>
               </a:rPr>
-              <a:t>Text</a:t>
-            </a:r>
-          </a:p>
-          <a:p>
-            <a:pPr marL="285750" indent="-285750">
-              <a:buFont typeface="Arial" panose="020B0604020202020204" pitchFamily="34" charset="0"/>
-              <a:buChar char="•"/>
-            </a:pPr>
-            <a:r>
-              <a:rPr lang="en-US" sz="2400" dirty="0">
-                <a:solidFill>
-                  <a:schemeClr val="accent5">
-                    <a:lumMod val="40000"/>
-                    <a:lumOff val="60000"/>
-                  </a:schemeClr>
+              <a:t>Servlets(JSP, JSTL)</a:t>
+            </a:r>
+          </a:p>
+          <a:p>
+            <a:r>
+              <a:rPr lang="en-US" sz="3200" dirty="0">
+                <a:solidFill>
+                  <a:schemeClr val="tx1"/>
                 </a:solidFill>
                 <a:latin typeface="Bell MT" panose="02020503060305020303" pitchFamily="18" charset="0"/>
               </a:rPr>
-              <a:t>Customer id</a:t>
-            </a:r>
-          </a:p>
-          <a:p>
-            <a:pPr marL="285750" indent="-285750">
-              <a:buFont typeface="Arial" panose="020B0604020202020204" pitchFamily="34" charset="0"/>
-              <a:buChar char="•"/>
-            </a:pPr>
-            <a:r>
-              <a:rPr lang="en-US" sz="2400" dirty="0">
-                <a:solidFill>
-                  <a:schemeClr val="accent5">
-                    <a:lumMod val="40000"/>
-                    <a:lumOff val="60000"/>
-                  </a:schemeClr>
+              <a:t>Database(PostgreSQL)</a:t>
+            </a:r>
+          </a:p>
+          <a:p>
+            <a:r>
+              <a:rPr lang="en-US" sz="3200" dirty="0">
+                <a:solidFill>
+                  <a:schemeClr val="tx1"/>
                 </a:solidFill>
                 <a:latin typeface="Bell MT" panose="02020503060305020303" pitchFamily="18" charset="0"/>
               </a:rPr>
-              <a:t>Manager id</a:t>
-            </a:r>
-          </a:p>
-          <a:p>
-            <a:endParaRPr lang="en-US" sz="2400" dirty="0">
+              <a:t>VCS(GitHub) </a:t>
+            </a:r>
+            <a:r>
+              <a:rPr lang="en-US" sz="1800" dirty="0">
+                <a:solidFill>
+                  <a:schemeClr val="tx1"/>
+                </a:solidFill>
+                <a:latin typeface="Bell MT" panose="02020503060305020303" pitchFamily="18" charset="0"/>
+                <a:hlinkClick r:id="rId2"/>
+              </a:rPr>
+              <a:t>https://github.com/javohir101dev/online-library-management</a:t>
+            </a:r>
+            <a:endParaRPr lang="en-US" sz="3200" dirty="0">
               <a:solidFill>
-                <a:schemeClr val="accent5">
-                  <a:lumMod val="40000"/>
-                  <a:lumOff val="60000"/>
-                </a:schemeClr>
+                <a:schemeClr val="tx1"/>
               </a:solidFill>
               <a:latin typeface="Bell MT" panose="02020503060305020303" pitchFamily="18" charset="0"/>
             </a:endParaRPr>
           </a:p>
-          <a:p>
-            <a:pPr marL="285750" indent="-285750">
-              <a:buFont typeface="Arial" panose="020B0604020202020204" pitchFamily="34" charset="0"/>
-              <a:buChar char="•"/>
-            </a:pPr>
-            <a:endParaRPr lang="ru-RU" sz="2400" dirty="0">
-              <a:solidFill>
-                <a:schemeClr val="accent5">
-                  <a:lumMod val="40000"/>
-                  <a:lumOff val="60000"/>
-                </a:schemeClr>
-              </a:solidFill>
-            </a:endParaRPr>
-          </a:p>
-        </p:txBody>
-      </p:sp>
-      <p:sp>
-        <p:nvSpPr>
-          <p:cNvPr id="5" name="Текст 3"/>
-          <p:cNvSpPr txBox="1">
-            <a:spLocks/>
-          </p:cNvSpPr>
-          <p:nvPr/>
-        </p:nvSpPr>
-        <p:spPr>
-          <a:xfrm>
-            <a:off x="7814733" y="1811867"/>
-            <a:ext cx="2177784" cy="1354667"/>
-          </a:xfrm>
-          <a:prstGeom prst="rect">
-            <a:avLst/>
-          </a:prstGeom>
-        </p:spPr>
-        <p:txBody>
-          <a:bodyPr vert="horz" lIns="91440" tIns="45720" rIns="91440" bIns="45720" rtlCol="0" anchor="t">
-            <a:normAutofit fontScale="85000" lnSpcReduction="20000"/>
-          </a:bodyPr>
-          <a:lstStyle>
-            <a:lvl1pPr marL="0" indent="0" algn="l" defTabSz="457200" rtl="0" eaLnBrk="1" latinLnBrk="0" hangingPunct="1">
-              <a:spcBef>
-                <a:spcPct val="20000"/>
-              </a:spcBef>
-              <a:spcAft>
-                <a:spcPts val="600"/>
-              </a:spcAft>
-              <a:buClr>
-                <a:schemeClr val="tx1"/>
-              </a:buClr>
-              <a:buSzPct val="80000"/>
-              <a:buFontTx/>
-              <a:buNone/>
-              <a:defRPr sz="1600" kern="1200" cap="none">
-                <a:solidFill>
-                  <a:schemeClr val="bg2">
-                    <a:lumMod val="75000"/>
-                  </a:schemeClr>
-                </a:solidFill>
-                <a:effectLst/>
-                <a:latin typeface="+mn-lt"/>
-                <a:ea typeface="+mn-ea"/>
-                <a:cs typeface="+mn-cs"/>
-              </a:defRPr>
-            </a:lvl1pPr>
-            <a:lvl2pPr marL="457200" indent="0" algn="l" defTabSz="457200" rtl="0" eaLnBrk="1" latinLnBrk="0" hangingPunct="1">
-              <a:spcBef>
-                <a:spcPct val="20000"/>
-              </a:spcBef>
-              <a:spcAft>
-                <a:spcPts val="600"/>
-              </a:spcAft>
-              <a:buClr>
-                <a:schemeClr val="tx1"/>
-              </a:buClr>
-              <a:buSzPct val="80000"/>
-              <a:buFontTx/>
-              <a:buNone/>
-              <a:defRPr sz="1800" kern="1200" cap="none">
-                <a:solidFill>
-                  <a:schemeClr val="bg2">
-                    <a:lumMod val="75000"/>
-                  </a:schemeClr>
-                </a:solidFill>
-                <a:effectLst/>
-                <a:latin typeface="+mn-lt"/>
-                <a:ea typeface="+mn-ea"/>
-                <a:cs typeface="+mn-cs"/>
-              </a:defRPr>
-            </a:lvl2pPr>
-            <a:lvl3pPr marL="914400" indent="0" algn="l" defTabSz="457200" rtl="0" eaLnBrk="1" latinLnBrk="0" hangingPunct="1">
-              <a:spcBef>
-                <a:spcPct val="20000"/>
-              </a:spcBef>
-              <a:spcAft>
-                <a:spcPts val="600"/>
-              </a:spcAft>
-              <a:buClr>
-                <a:schemeClr val="tx1"/>
-              </a:buClr>
-              <a:buSzPct val="80000"/>
-              <a:buFontTx/>
-              <a:buNone/>
-              <a:defRPr sz="1600" kern="1200" cap="none">
-                <a:solidFill>
-                  <a:schemeClr val="bg2">
-                    <a:lumMod val="75000"/>
-                  </a:schemeClr>
-                </a:solidFill>
-                <a:effectLst/>
-                <a:latin typeface="+mn-lt"/>
-                <a:ea typeface="+mn-ea"/>
-                <a:cs typeface="+mn-cs"/>
-              </a:defRPr>
-            </a:lvl3pPr>
-            <a:lvl4pPr marL="1371600" indent="0" algn="l" defTabSz="457200" rtl="0" eaLnBrk="1" latinLnBrk="0" hangingPunct="1">
-              <a:spcBef>
-                <a:spcPct val="20000"/>
-              </a:spcBef>
-              <a:spcAft>
-                <a:spcPts val="600"/>
-              </a:spcAft>
-              <a:buClr>
-                <a:schemeClr val="tx1"/>
-              </a:buClr>
-              <a:buSzPct val="80000"/>
-              <a:buFontTx/>
-              <a:buNone/>
-              <a:defRPr sz="1400" kern="1200" cap="none">
-                <a:solidFill>
-                  <a:schemeClr val="bg2">
-                    <a:lumMod val="75000"/>
-                  </a:schemeClr>
-                </a:solidFill>
-                <a:effectLst/>
-                <a:latin typeface="+mn-lt"/>
-                <a:ea typeface="+mn-ea"/>
-                <a:cs typeface="+mn-cs"/>
-              </a:defRPr>
-            </a:lvl4pPr>
-            <a:lvl5pPr marL="1828800" indent="0" algn="l" defTabSz="457200" rtl="0" eaLnBrk="1" latinLnBrk="0" hangingPunct="1">
-              <a:spcBef>
-                <a:spcPct val="20000"/>
-              </a:spcBef>
-              <a:spcAft>
-                <a:spcPts val="600"/>
-              </a:spcAft>
-              <a:buClr>
-                <a:schemeClr val="tx1"/>
-              </a:buClr>
-              <a:buSzPct val="80000"/>
-              <a:buFontTx/>
-              <a:buNone/>
-              <a:defRPr sz="1400" kern="1200" cap="none">
-                <a:solidFill>
-                  <a:schemeClr val="bg2">
-                    <a:lumMod val="75000"/>
-                  </a:schemeClr>
-                </a:solidFill>
-                <a:effectLst/>
-                <a:latin typeface="+mn-lt"/>
-                <a:ea typeface="+mn-ea"/>
-                <a:cs typeface="+mn-cs"/>
-              </a:defRPr>
-            </a:lvl5pPr>
-            <a:lvl6pPr marL="2514600" indent="-228600" algn="l" defTabSz="457200" rtl="0" eaLnBrk="1" latinLnBrk="0" hangingPunct="1">
-              <a:spcBef>
-                <a:spcPct val="20000"/>
-              </a:spcBef>
-              <a:spcAft>
-                <a:spcPts val="600"/>
-              </a:spcAft>
-              <a:buClr>
-                <a:schemeClr val="tx1"/>
-              </a:buClr>
-              <a:buSzPct val="80000"/>
-              <a:buFont typeface="Wingdings 3" panose="05040102010807070707" pitchFamily="18" charset="2"/>
-              <a:buChar char=""/>
-              <a:defRPr sz="1400" kern="1200" cap="none">
-                <a:solidFill>
-                  <a:schemeClr val="bg2">
-                    <a:lumMod val="75000"/>
-                  </a:schemeClr>
-                </a:solidFill>
-                <a:effectLst/>
-                <a:latin typeface="+mn-lt"/>
-                <a:ea typeface="+mn-ea"/>
-                <a:cs typeface="+mn-cs"/>
-              </a:defRPr>
-            </a:lvl6pPr>
-            <a:lvl7pPr marL="2971800" indent="-228600" algn="l" defTabSz="457200" rtl="0" eaLnBrk="1" latinLnBrk="0" hangingPunct="1">
-              <a:spcBef>
-                <a:spcPct val="20000"/>
-              </a:spcBef>
-              <a:spcAft>
-                <a:spcPts val="600"/>
-              </a:spcAft>
-              <a:buClr>
-                <a:schemeClr val="tx1"/>
-              </a:buClr>
-              <a:buSzPct val="80000"/>
-              <a:buFont typeface="Wingdings 3" panose="05040102010807070707" pitchFamily="18" charset="2"/>
-              <a:buChar char=""/>
-              <a:defRPr sz="1400" kern="1200" cap="none">
-                <a:solidFill>
-                  <a:schemeClr val="bg2">
-                    <a:lumMod val="75000"/>
-                  </a:schemeClr>
-                </a:solidFill>
-                <a:effectLst/>
-                <a:latin typeface="+mn-lt"/>
-                <a:ea typeface="+mn-ea"/>
-                <a:cs typeface="+mn-cs"/>
-              </a:defRPr>
-            </a:lvl7pPr>
-            <a:lvl8pPr marL="3429000" indent="-228600" algn="l" defTabSz="457200" rtl="0" eaLnBrk="1" latinLnBrk="0" hangingPunct="1">
-              <a:spcBef>
-                <a:spcPct val="20000"/>
-              </a:spcBef>
-              <a:spcAft>
-                <a:spcPts val="600"/>
-              </a:spcAft>
-              <a:buClr>
-                <a:schemeClr val="tx1"/>
-              </a:buClr>
-              <a:buSzPct val="80000"/>
-              <a:buFont typeface="Wingdings 3" panose="05040102010807070707" pitchFamily="18" charset="2"/>
-              <a:buChar char=""/>
-              <a:defRPr sz="1400" kern="1200" cap="none">
-                <a:solidFill>
-                  <a:schemeClr val="bg2">
-                    <a:lumMod val="75000"/>
-                  </a:schemeClr>
-                </a:solidFill>
-                <a:effectLst/>
-                <a:latin typeface="+mn-lt"/>
-                <a:ea typeface="+mn-ea"/>
-                <a:cs typeface="+mn-cs"/>
-              </a:defRPr>
-            </a:lvl8pPr>
-            <a:lvl9pPr marL="3886200" indent="-228600" algn="l" defTabSz="457200" rtl="0" eaLnBrk="1" latinLnBrk="0" hangingPunct="1">
-              <a:spcBef>
-                <a:spcPct val="20000"/>
-              </a:spcBef>
-              <a:spcAft>
-                <a:spcPts val="600"/>
-              </a:spcAft>
-              <a:buClr>
-                <a:schemeClr val="tx1"/>
-              </a:buClr>
-              <a:buSzPct val="80000"/>
-              <a:buFont typeface="Wingdings 3" panose="05040102010807070707" pitchFamily="18" charset="2"/>
-              <a:buChar char=""/>
-              <a:defRPr sz="1400" kern="1200" cap="none">
-                <a:solidFill>
-                  <a:schemeClr val="bg2">
-                    <a:lumMod val="75000"/>
-                  </a:schemeClr>
-                </a:solidFill>
-                <a:effectLst/>
-                <a:latin typeface="+mn-lt"/>
-                <a:ea typeface="+mn-ea"/>
-                <a:cs typeface="+mn-cs"/>
-              </a:defRPr>
-            </a:lvl9pPr>
-          </a:lstStyle>
-          <a:p>
-            <a:pPr marL="285750" indent="-285750">
-              <a:buFont typeface="Arial" panose="020B0604020202020204" pitchFamily="34" charset="0"/>
-              <a:buChar char="•"/>
-            </a:pPr>
-            <a:r>
-              <a:rPr lang="en-US" sz="2800" dirty="0">
-                <a:solidFill>
-                  <a:srgbClr val="FFFF00"/>
-                </a:solidFill>
-                <a:latin typeface="Bell MT" panose="02020503060305020303" pitchFamily="18" charset="0"/>
-              </a:rPr>
-              <a:t>Id</a:t>
-            </a:r>
-          </a:p>
-          <a:p>
-            <a:pPr marL="285750" indent="-285750">
-              <a:buFont typeface="Arial" panose="020B0604020202020204" pitchFamily="34" charset="0"/>
-              <a:buChar char="•"/>
-            </a:pPr>
-            <a:r>
-              <a:rPr lang="en-US" sz="2800" dirty="0">
-                <a:solidFill>
-                  <a:srgbClr val="FFFF00"/>
-                </a:solidFill>
-                <a:latin typeface="Bell MT" panose="02020503060305020303" pitchFamily="18" charset="0"/>
-              </a:rPr>
-              <a:t>Order</a:t>
-            </a:r>
-          </a:p>
-          <a:p>
-            <a:pPr marL="285750" indent="-285750">
-              <a:buFont typeface="Arial" panose="020B0604020202020204" pitchFamily="34" charset="0"/>
-              <a:buChar char="•"/>
-            </a:pPr>
-            <a:r>
-              <a:rPr lang="en-US" sz="2800" dirty="0">
-                <a:solidFill>
-                  <a:srgbClr val="FFFF00"/>
-                </a:solidFill>
-                <a:latin typeface="Bell MT" panose="02020503060305020303" pitchFamily="18" charset="0"/>
-              </a:rPr>
-              <a:t>Amount</a:t>
-            </a:r>
-          </a:p>
-          <a:p>
-            <a:pPr marL="285750" indent="-285750">
-              <a:buFont typeface="Arial" panose="020B0604020202020204" pitchFamily="34" charset="0"/>
-              <a:buChar char="•"/>
-            </a:pPr>
-            <a:endParaRPr lang="ru-RU" dirty="0"/>
-          </a:p>
-        </p:txBody>
-      </p:sp>
-      <p:sp>
-        <p:nvSpPr>
-          <p:cNvPr id="6" name="Заголовок 1"/>
-          <p:cNvSpPr txBox="1">
-            <a:spLocks/>
-          </p:cNvSpPr>
-          <p:nvPr/>
-        </p:nvSpPr>
-        <p:spPr>
-          <a:xfrm>
-            <a:off x="7814733" y="304800"/>
-            <a:ext cx="2484174" cy="1507067"/>
-          </a:xfrm>
-          <a:prstGeom prst="rect">
-            <a:avLst/>
-          </a:prstGeom>
-          <a:effectLst/>
-        </p:spPr>
-        <p:txBody>
-          <a:bodyPr vert="horz" lIns="91440" tIns="45720" rIns="91440" bIns="45720" rtlCol="0" anchor="ctr">
-            <a:normAutofit/>
-          </a:bodyPr>
-          <a:lstStyle>
-            <a:lvl1pPr algn="l" defTabSz="457200" rtl="0" eaLnBrk="1" latinLnBrk="0" hangingPunct="1">
-              <a:spcBef>
-                <a:spcPct val="0"/>
-              </a:spcBef>
-              <a:buNone/>
-              <a:defRPr sz="3600" kern="1200" cap="all">
-                <a:ln w="3175" cmpd="sng">
-                  <a:noFill/>
-                </a:ln>
-                <a:solidFill>
-                  <a:schemeClr val="tx1"/>
-                </a:solidFill>
-                <a:effectLst/>
-                <a:latin typeface="+mj-lt"/>
-                <a:ea typeface="+mj-ea"/>
-                <a:cs typeface="+mj-cs"/>
-              </a:defRPr>
-            </a:lvl1pPr>
-            <a:lvl2pPr eaLnBrk="1" hangingPunct="1">
-              <a:defRPr>
-                <a:solidFill>
-                  <a:schemeClr val="tx2"/>
-                </a:solidFill>
-              </a:defRPr>
-            </a:lvl2pPr>
-            <a:lvl3pPr eaLnBrk="1" hangingPunct="1">
-              <a:defRPr>
-                <a:solidFill>
-                  <a:schemeClr val="tx2"/>
-                </a:solidFill>
-              </a:defRPr>
-            </a:lvl3pPr>
-            <a:lvl4pPr eaLnBrk="1" hangingPunct="1">
-              <a:defRPr>
-                <a:solidFill>
-                  <a:schemeClr val="tx2"/>
-                </a:solidFill>
-              </a:defRPr>
-            </a:lvl4pPr>
-            <a:lvl5pPr eaLnBrk="1" hangingPunct="1">
-              <a:defRPr>
-                <a:solidFill>
-                  <a:schemeClr val="tx2"/>
-                </a:solidFill>
-              </a:defRPr>
-            </a:lvl5pPr>
-            <a:lvl6pPr eaLnBrk="1" hangingPunct="1">
-              <a:defRPr>
-                <a:solidFill>
-                  <a:schemeClr val="tx2"/>
-                </a:solidFill>
-              </a:defRPr>
-            </a:lvl6pPr>
-            <a:lvl7pPr eaLnBrk="1" hangingPunct="1">
-              <a:defRPr>
-                <a:solidFill>
-                  <a:schemeClr val="tx2"/>
-                </a:solidFill>
-              </a:defRPr>
-            </a:lvl7pPr>
-            <a:lvl8pPr eaLnBrk="1" hangingPunct="1">
-              <a:defRPr>
-                <a:solidFill>
-                  <a:schemeClr val="tx2"/>
-                </a:solidFill>
-              </a:defRPr>
-            </a:lvl8pPr>
-            <a:lvl9pPr eaLnBrk="1" hangingPunct="1">
-              <a:defRPr>
-                <a:solidFill>
-                  <a:schemeClr val="tx2"/>
-                </a:solidFill>
-              </a:defRPr>
-            </a:lvl9pPr>
-          </a:lstStyle>
-          <a:p>
-            <a:pPr algn="ctr"/>
-            <a:r>
-              <a:rPr lang="en-US" dirty="0">
-                <a:solidFill>
-                  <a:srgbClr val="FFFF00"/>
-                </a:solidFill>
-                <a:latin typeface="Bell MT" panose="02020503060305020303" pitchFamily="18" charset="0"/>
-              </a:rPr>
-              <a:t>Payment</a:t>
-            </a:r>
-            <a:r>
-              <a:rPr lang="en-US" dirty="0"/>
-              <a:t>	</a:t>
-            </a:r>
-            <a:endParaRPr lang="ru-RU" dirty="0"/>
-          </a:p>
-        </p:txBody>
-      </p:sp>
-      <p:pic>
-        <p:nvPicPr>
-          <p:cNvPr id="7" name="Picture 6">
-            <a:extLst>
-              <a:ext uri="{FF2B5EF4-FFF2-40B4-BE49-F238E27FC236}">
-                <a16:creationId xmlns:a16="http://schemas.microsoft.com/office/drawing/2014/main" id="{0B18D1F3-2962-A80E-AF85-09CEB35F7FCB}"/>
-              </a:ext>
-            </a:extLst>
-          </p:cNvPr>
-          <p:cNvPicPr>
-            <a:picLocks noChangeAspect="1"/>
-          </p:cNvPicPr>
-          <p:nvPr/>
-        </p:nvPicPr>
-        <p:blipFill>
-          <a:blip r:embed="rId2"/>
-          <a:stretch>
-            <a:fillRect/>
-          </a:stretch>
-        </p:blipFill>
-        <p:spPr>
-          <a:xfrm>
-            <a:off x="0" y="0"/>
-            <a:ext cx="12192000" cy="6941393"/>
-          </a:xfrm>
-          <a:prstGeom prst="rect">
-            <a:avLst/>
-          </a:prstGeom>
-        </p:spPr>
-      </p:pic>
+        </p:txBody>
+      </p:sp>
     </p:spTree>
     <p:extLst>
       <p:ext uri="{BB962C8B-B14F-4D97-AF65-F5344CB8AC3E}">
-        <p14:creationId xmlns:p14="http://schemas.microsoft.com/office/powerpoint/2010/main" val="3946686081"/>
+        <p14:creationId xmlns:p14="http://schemas.microsoft.com/office/powerpoint/2010/main" val="3728121416"/>
       </p:ext>
     </p:extLst>
   </p:cSld>
@@ -5067,8 +5284,8 @@
         </p:nvSpPr>
         <p:spPr>
           <a:xfrm>
-            <a:off x="1696773" y="220132"/>
-            <a:ext cx="8534400" cy="1507067"/>
+            <a:off x="1696772" y="220132"/>
+            <a:ext cx="9108247" cy="954327"/>
           </a:xfrm>
         </p:spPr>
         <p:txBody>
@@ -5081,7 +5298,7 @@
                 <a:latin typeface="Times New Roman" panose="02020603050405020304" pitchFamily="18" charset="0"/>
                 <a:cs typeface="Times New Roman" panose="02020603050405020304" pitchFamily="18" charset="0"/>
               </a:rPr>
-              <a:t>Used Technologies</a:t>
+              <a:t>How JSP works?</a:t>
             </a:r>
             <a:endParaRPr lang="ru-RU" dirty="0">
               <a:latin typeface="Times New Roman" panose="02020603050405020304" pitchFamily="18" charset="0"/>
@@ -5112,73 +5329,49 @@
           </a:bodyPr>
           <a:lstStyle/>
           <a:p>
-            <a:r>
-              <a:rPr lang="en-US" sz="3200" dirty="0">
-                <a:solidFill>
-                  <a:schemeClr val="tx1"/>
-                </a:solidFill>
-                <a:latin typeface="Bell MT" panose="02020503060305020303" pitchFamily="18" charset="0"/>
-              </a:rPr>
-              <a:t>Java 11</a:t>
-            </a:r>
-          </a:p>
-          <a:p>
-            <a:r>
-              <a:rPr lang="en-US" sz="3200" dirty="0">
-                <a:solidFill>
-                  <a:schemeClr val="tx1"/>
-                </a:solidFill>
-                <a:latin typeface="Bell MT" panose="02020503060305020303" pitchFamily="18" charset="0"/>
-              </a:rPr>
-              <a:t>JDBC </a:t>
-            </a:r>
-          </a:p>
-          <a:p>
-            <a:r>
-              <a:rPr lang="en-US" sz="3200" dirty="0">
-                <a:solidFill>
-                  <a:schemeClr val="tx1"/>
-                </a:solidFill>
-                <a:latin typeface="Bell MT" panose="02020503060305020303" pitchFamily="18" charset="0"/>
-              </a:rPr>
-              <a:t>Servlets(JSP, JSTL)</a:t>
-            </a:r>
-          </a:p>
-          <a:p>
-            <a:r>
-              <a:rPr lang="en-US" sz="3200" dirty="0">
-                <a:solidFill>
-                  <a:schemeClr val="tx1"/>
-                </a:solidFill>
-                <a:latin typeface="Bell MT" panose="02020503060305020303" pitchFamily="18" charset="0"/>
-              </a:rPr>
-              <a:t>Database(</a:t>
-            </a:r>
-            <a:r>
-              <a:rPr lang="en-US" sz="3200" dirty="0" err="1">
-                <a:solidFill>
-                  <a:schemeClr val="tx1"/>
-                </a:solidFill>
-                <a:latin typeface="Bell MT" panose="02020503060305020303" pitchFamily="18" charset="0"/>
-              </a:rPr>
-              <a:t>Postgrssql</a:t>
-            </a:r>
-            <a:r>
-              <a:rPr lang="en-US" sz="3200" dirty="0">
-                <a:solidFill>
-                  <a:schemeClr val="tx1"/>
-                </a:solidFill>
-                <a:latin typeface="Bell MT" panose="02020503060305020303" pitchFamily="18" charset="0"/>
-              </a:rPr>
-              <a:t>)</a:t>
-            </a:r>
-          </a:p>
-        </p:txBody>
-      </p:sp>
+            <a:endParaRPr lang="en-US" sz="3200" dirty="0">
+              <a:solidFill>
+                <a:schemeClr val="tx1"/>
+              </a:solidFill>
+              <a:latin typeface="Bell MT" panose="02020503060305020303" pitchFamily="18" charset="0"/>
+            </a:endParaRPr>
+          </a:p>
+        </p:txBody>
+      </p:sp>
+      <p:pic>
+        <p:nvPicPr>
+          <p:cNvPr id="5" name="Picture 4">
+            <a:extLst>
+              <a:ext uri="{FF2B5EF4-FFF2-40B4-BE49-F238E27FC236}">
+                <a16:creationId xmlns:a16="http://schemas.microsoft.com/office/drawing/2014/main" id="{194D7DE4-70F5-D7A5-58E7-23BECB25F3D1}"/>
+              </a:ext>
+            </a:extLst>
+          </p:cNvPr>
+          <p:cNvPicPr>
+            <a:picLocks noChangeAspect="1"/>
+          </p:cNvPicPr>
+          <p:nvPr/>
+        </p:nvPicPr>
+        <p:blipFill>
+          <a:blip r:embed="rId2"/>
+          <a:stretch>
+            <a:fillRect/>
+          </a:stretch>
+        </p:blipFill>
+        <p:spPr>
+          <a:xfrm>
+            <a:off x="915798" y="1174459"/>
+            <a:ext cx="10360404" cy="4846523"/>
+          </a:xfrm>
+          <a:prstGeom prst="rect">
+            <a:avLst/>
+          </a:prstGeom>
+        </p:spPr>
+      </p:pic>
     </p:spTree>
     <p:extLst>
       <p:ext uri="{BB962C8B-B14F-4D97-AF65-F5344CB8AC3E}">
-        <p14:creationId xmlns:p14="http://schemas.microsoft.com/office/powerpoint/2010/main" val="3728121416"/>
+        <p14:creationId xmlns:p14="http://schemas.microsoft.com/office/powerpoint/2010/main" val="947973753"/>
       </p:ext>
     </p:extLst>
   </p:cSld>
@@ -5212,13 +5405,13 @@
             <a:spLocks noGrp="1"/>
           </p:cNvSpPr>
           <p:nvPr>
-            <p:ph type="title"/>
-          </p:nvPr>
-        </p:nvSpPr>
-        <p:spPr>
-          <a:xfrm>
-            <a:off x="1696773" y="220132"/>
-            <a:ext cx="8534400" cy="1507067"/>
+            <p:ph type="title" idx="4294967295"/>
+          </p:nvPr>
+        </p:nvSpPr>
+        <p:spPr>
+          <a:xfrm>
+            <a:off x="0" y="220664"/>
+            <a:ext cx="11786532" cy="1104798"/>
           </a:xfrm>
         </p:spPr>
         <p:txBody>
@@ -5231,7 +5424,7 @@
                 <a:latin typeface="Times New Roman" panose="02020603050405020304" pitchFamily="18" charset="0"/>
                 <a:cs typeface="Times New Roman" panose="02020603050405020304" pitchFamily="18" charset="0"/>
               </a:rPr>
-              <a:t>Entities</a:t>
+              <a:t>Advantages of Servlet</a:t>
             </a:r>
             <a:endParaRPr lang="ru-RU" dirty="0">
               <a:latin typeface="Times New Roman" panose="02020603050405020304" pitchFamily="18" charset="0"/>
@@ -5240,94 +5433,39 @@
           </a:p>
         </p:txBody>
       </p:sp>
-      <p:sp>
-        <p:nvSpPr>
-          <p:cNvPr id="3" name="Объект 2"/>
-          <p:cNvSpPr>
-            <a:spLocks noGrp="1"/>
-          </p:cNvSpPr>
-          <p:nvPr>
-            <p:ph idx="1"/>
-          </p:nvPr>
-        </p:nvSpPr>
-        <p:spPr>
-          <a:xfrm>
-            <a:off x="1696773" y="1803400"/>
-            <a:ext cx="8878093" cy="4148667"/>
-          </a:xfrm>
-        </p:spPr>
-        <p:txBody>
-          <a:bodyPr>
-            <a:normAutofit/>
-          </a:bodyPr>
-          <a:lstStyle/>
-          <a:p>
-            <a:r>
-              <a:rPr lang="en-US" sz="4000" dirty="0">
-                <a:solidFill>
-                  <a:schemeClr val="tx1"/>
-                </a:solidFill>
-                <a:latin typeface="Bell MT" panose="02020503060305020303" pitchFamily="18" charset="0"/>
-              </a:rPr>
-              <a:t>Book</a:t>
-            </a:r>
-          </a:p>
-          <a:p>
-            <a:r>
-              <a:rPr lang="en-US" sz="4000" dirty="0">
-                <a:solidFill>
-                  <a:schemeClr val="tx1"/>
-                </a:solidFill>
-                <a:latin typeface="Bell MT" panose="02020503060305020303" pitchFamily="18" charset="0"/>
-              </a:rPr>
-              <a:t>User</a:t>
-            </a:r>
-          </a:p>
-          <a:p>
-            <a:r>
-              <a:rPr lang="en-US" sz="4000" dirty="0">
-                <a:solidFill>
-                  <a:schemeClr val="tx1"/>
-                </a:solidFill>
-                <a:latin typeface="Bell MT" panose="02020503060305020303" pitchFamily="18" charset="0"/>
-              </a:rPr>
-              <a:t>Author</a:t>
-            </a:r>
-          </a:p>
-          <a:p>
-            <a:r>
-              <a:rPr lang="en-US" sz="4000" dirty="0">
-                <a:solidFill>
-                  <a:schemeClr val="tx1"/>
-                </a:solidFill>
-                <a:latin typeface="Bell MT" panose="02020503060305020303" pitchFamily="18" charset="0"/>
-              </a:rPr>
-              <a:t>Genre</a:t>
-            </a:r>
-          </a:p>
-          <a:p>
-            <a:r>
-              <a:rPr lang="en-US" sz="4000" dirty="0" err="1">
-                <a:solidFill>
-                  <a:schemeClr val="tx1"/>
-                </a:solidFill>
-                <a:latin typeface="Bell MT" panose="02020503060305020303" pitchFamily="18" charset="0"/>
-              </a:rPr>
-              <a:t>Book_User</a:t>
-            </a:r>
-            <a:endParaRPr lang="en-US" sz="4000" dirty="0">
-              <a:solidFill>
-                <a:schemeClr val="tx1"/>
-              </a:solidFill>
-              <a:latin typeface="Bell MT" panose="02020503060305020303" pitchFamily="18" charset="0"/>
-            </a:endParaRPr>
-          </a:p>
-        </p:txBody>
-      </p:sp>
+      <p:pic>
+        <p:nvPicPr>
+          <p:cNvPr id="5" name="Content Placeholder 4">
+            <a:extLst>
+              <a:ext uri="{FF2B5EF4-FFF2-40B4-BE49-F238E27FC236}">
+                <a16:creationId xmlns:a16="http://schemas.microsoft.com/office/drawing/2014/main" id="{4433938A-1F2E-54E0-B3E1-CD95B7A3DA06}"/>
+              </a:ext>
+            </a:extLst>
+          </p:cNvPr>
+          <p:cNvPicPr>
+            <a:picLocks noGrp="1" noChangeAspect="1"/>
+          </p:cNvPicPr>
+          <p:nvPr>
+            <p:ph idx="4294967295"/>
+          </p:nvPr>
+        </p:nvPicPr>
+        <p:blipFill>
+          <a:blip r:embed="rId2"/>
+          <a:stretch>
+            <a:fillRect/>
+          </a:stretch>
+        </p:blipFill>
+        <p:spPr>
+          <a:xfrm>
+            <a:off x="2309142" y="1325462"/>
+            <a:ext cx="7984150" cy="5147164"/>
+          </a:xfrm>
+        </p:spPr>
+      </p:pic>
     </p:spTree>
     <p:extLst>
       <p:ext uri="{BB962C8B-B14F-4D97-AF65-F5344CB8AC3E}">
-        <p14:creationId xmlns:p14="http://schemas.microsoft.com/office/powerpoint/2010/main" val="3423822448"/>
+        <p14:creationId xmlns:p14="http://schemas.microsoft.com/office/powerpoint/2010/main" val="3767608222"/>
       </p:ext>
     </p:extLst>
   </p:cSld>
@@ -5366,8 +5504,8 @@
         </p:nvSpPr>
         <p:spPr>
           <a:xfrm>
-            <a:off x="1696773" y="220132"/>
-            <a:ext cx="8534400" cy="1507067"/>
+            <a:off x="1764507" y="304800"/>
+            <a:ext cx="2358760" cy="1507067"/>
           </a:xfrm>
         </p:spPr>
         <p:txBody>
@@ -5377,53 +5515,600 @@
             <a:pPr algn="ctr"/>
             <a:r>
               <a:rPr lang="en-US" dirty="0">
-                <a:latin typeface="Times New Roman" panose="02020603050405020304" pitchFamily="18" charset="0"/>
-                <a:cs typeface="Times New Roman" panose="02020603050405020304" pitchFamily="18" charset="0"/>
+                <a:solidFill>
+                  <a:schemeClr val="accent5">
+                    <a:lumMod val="40000"/>
+                    <a:lumOff val="60000"/>
+                  </a:schemeClr>
+                </a:solidFill>
+                <a:latin typeface="Bell MT" panose="02020503060305020303" pitchFamily="18" charset="0"/>
               </a:rPr>
-              <a:t>Author and Genre</a:t>
+              <a:t>Message</a:t>
             </a:r>
             <a:endParaRPr lang="ru-RU" dirty="0">
-              <a:latin typeface="Times New Roman" panose="02020603050405020304" pitchFamily="18" charset="0"/>
-              <a:cs typeface="Times New Roman" panose="02020603050405020304" pitchFamily="18" charset="0"/>
+              <a:solidFill>
+                <a:schemeClr val="accent5">
+                  <a:lumMod val="40000"/>
+                  <a:lumOff val="60000"/>
+                </a:schemeClr>
+              </a:solidFill>
             </a:endParaRPr>
           </a:p>
         </p:txBody>
       </p:sp>
       <p:sp>
         <p:nvSpPr>
-          <p:cNvPr id="3" name="Объект 2"/>
-          <p:cNvSpPr>
-            <a:spLocks noGrp="1"/>
-          </p:cNvSpPr>
-          <p:nvPr>
-            <p:ph idx="1"/>
-          </p:nvPr>
-        </p:nvSpPr>
-        <p:spPr>
-          <a:xfrm>
-            <a:off x="1696773" y="1803400"/>
-            <a:ext cx="8878093" cy="4148667"/>
+          <p:cNvPr id="4" name="Текст 3"/>
+          <p:cNvSpPr>
+            <a:spLocks noGrp="1"/>
+          </p:cNvSpPr>
+          <p:nvPr>
+            <p:ph type="body" sz="quarter" idx="14"/>
+          </p:nvPr>
+        </p:nvSpPr>
+        <p:spPr>
+          <a:xfrm>
+            <a:off x="1980407" y="1811867"/>
+            <a:ext cx="2142860" cy="2599265"/>
           </a:xfrm>
         </p:spPr>
         <p:txBody>
           <a:bodyPr>
+            <a:noAutofit/>
+          </a:bodyPr>
+          <a:lstStyle/>
+          <a:p>
+            <a:pPr marL="285750" indent="-285750">
+              <a:buFont typeface="Arial" panose="020B0604020202020204" pitchFamily="34" charset="0"/>
+              <a:buChar char="•"/>
+            </a:pPr>
+            <a:r>
+              <a:rPr lang="en-US" sz="2400" dirty="0">
+                <a:solidFill>
+                  <a:schemeClr val="accent5">
+                    <a:lumMod val="40000"/>
+                    <a:lumOff val="60000"/>
+                  </a:schemeClr>
+                </a:solidFill>
+                <a:latin typeface="Bell MT" panose="02020503060305020303" pitchFamily="18" charset="0"/>
+              </a:rPr>
+              <a:t>Id</a:t>
+            </a:r>
+          </a:p>
+          <a:p>
+            <a:pPr marL="285750" indent="-285750">
+              <a:buFont typeface="Arial" panose="020B0604020202020204" pitchFamily="34" charset="0"/>
+              <a:buChar char="•"/>
+            </a:pPr>
+            <a:r>
+              <a:rPr lang="en-US" sz="2400" dirty="0">
+                <a:solidFill>
+                  <a:schemeClr val="accent5">
+                    <a:lumMod val="40000"/>
+                    <a:lumOff val="60000"/>
+                  </a:schemeClr>
+                </a:solidFill>
+                <a:latin typeface="Bell MT" panose="02020503060305020303" pitchFamily="18" charset="0"/>
+              </a:rPr>
+              <a:t>Text</a:t>
+            </a:r>
+          </a:p>
+          <a:p>
+            <a:pPr marL="285750" indent="-285750">
+              <a:buFont typeface="Arial" panose="020B0604020202020204" pitchFamily="34" charset="0"/>
+              <a:buChar char="•"/>
+            </a:pPr>
+            <a:r>
+              <a:rPr lang="en-US" sz="2400" dirty="0">
+                <a:solidFill>
+                  <a:schemeClr val="accent5">
+                    <a:lumMod val="40000"/>
+                    <a:lumOff val="60000"/>
+                  </a:schemeClr>
+                </a:solidFill>
+                <a:latin typeface="Bell MT" panose="02020503060305020303" pitchFamily="18" charset="0"/>
+              </a:rPr>
+              <a:t>Customer id</a:t>
+            </a:r>
+          </a:p>
+          <a:p>
+            <a:pPr marL="285750" indent="-285750">
+              <a:buFont typeface="Arial" panose="020B0604020202020204" pitchFamily="34" charset="0"/>
+              <a:buChar char="•"/>
+            </a:pPr>
+            <a:r>
+              <a:rPr lang="en-US" sz="2400" dirty="0">
+                <a:solidFill>
+                  <a:schemeClr val="accent5">
+                    <a:lumMod val="40000"/>
+                    <a:lumOff val="60000"/>
+                  </a:schemeClr>
+                </a:solidFill>
+                <a:latin typeface="Bell MT" panose="02020503060305020303" pitchFamily="18" charset="0"/>
+              </a:rPr>
+              <a:t>Manager id</a:t>
+            </a:r>
+          </a:p>
+          <a:p>
+            <a:endParaRPr lang="en-US" sz="2400" dirty="0">
+              <a:solidFill>
+                <a:schemeClr val="accent5">
+                  <a:lumMod val="40000"/>
+                  <a:lumOff val="60000"/>
+                </a:schemeClr>
+              </a:solidFill>
+              <a:latin typeface="Bell MT" panose="02020503060305020303" pitchFamily="18" charset="0"/>
+            </a:endParaRPr>
+          </a:p>
+          <a:p>
+            <a:pPr marL="285750" indent="-285750">
+              <a:buFont typeface="Arial" panose="020B0604020202020204" pitchFamily="34" charset="0"/>
+              <a:buChar char="•"/>
+            </a:pPr>
+            <a:endParaRPr lang="ru-RU" sz="2400" dirty="0">
+              <a:solidFill>
+                <a:schemeClr val="accent5">
+                  <a:lumMod val="40000"/>
+                  <a:lumOff val="60000"/>
+                </a:schemeClr>
+              </a:solidFill>
+            </a:endParaRPr>
+          </a:p>
+        </p:txBody>
+      </p:sp>
+      <p:sp>
+        <p:nvSpPr>
+          <p:cNvPr id="5" name="Текст 3"/>
+          <p:cNvSpPr txBox="1">
+            <a:spLocks/>
+          </p:cNvSpPr>
+          <p:nvPr/>
+        </p:nvSpPr>
+        <p:spPr>
+          <a:xfrm>
+            <a:off x="7814733" y="1811867"/>
+            <a:ext cx="2177784" cy="1354667"/>
+          </a:xfrm>
+          <a:prstGeom prst="rect">
+            <a:avLst/>
+          </a:prstGeom>
+        </p:spPr>
+        <p:txBody>
+          <a:bodyPr vert="horz" lIns="91440" tIns="45720" rIns="91440" bIns="45720" rtlCol="0" anchor="t">
+            <a:normAutofit fontScale="85000" lnSpcReduction="20000"/>
+          </a:bodyPr>
+          <a:lstStyle>
+            <a:lvl1pPr marL="0" indent="0" algn="l" defTabSz="457200" rtl="0" eaLnBrk="1" latinLnBrk="0" hangingPunct="1">
+              <a:spcBef>
+                <a:spcPct val="20000"/>
+              </a:spcBef>
+              <a:spcAft>
+                <a:spcPts val="600"/>
+              </a:spcAft>
+              <a:buClr>
+                <a:schemeClr val="tx1"/>
+              </a:buClr>
+              <a:buSzPct val="80000"/>
+              <a:buFontTx/>
+              <a:buNone/>
+              <a:defRPr sz="1600" kern="1200" cap="none">
+                <a:solidFill>
+                  <a:schemeClr val="bg2">
+                    <a:lumMod val="75000"/>
+                  </a:schemeClr>
+                </a:solidFill>
+                <a:effectLst/>
+                <a:latin typeface="+mn-lt"/>
+                <a:ea typeface="+mn-ea"/>
+                <a:cs typeface="+mn-cs"/>
+              </a:defRPr>
+            </a:lvl1pPr>
+            <a:lvl2pPr marL="457200" indent="0" algn="l" defTabSz="457200" rtl="0" eaLnBrk="1" latinLnBrk="0" hangingPunct="1">
+              <a:spcBef>
+                <a:spcPct val="20000"/>
+              </a:spcBef>
+              <a:spcAft>
+                <a:spcPts val="600"/>
+              </a:spcAft>
+              <a:buClr>
+                <a:schemeClr val="tx1"/>
+              </a:buClr>
+              <a:buSzPct val="80000"/>
+              <a:buFontTx/>
+              <a:buNone/>
+              <a:defRPr sz="1800" kern="1200" cap="none">
+                <a:solidFill>
+                  <a:schemeClr val="bg2">
+                    <a:lumMod val="75000"/>
+                  </a:schemeClr>
+                </a:solidFill>
+                <a:effectLst/>
+                <a:latin typeface="+mn-lt"/>
+                <a:ea typeface="+mn-ea"/>
+                <a:cs typeface="+mn-cs"/>
+              </a:defRPr>
+            </a:lvl2pPr>
+            <a:lvl3pPr marL="914400" indent="0" algn="l" defTabSz="457200" rtl="0" eaLnBrk="1" latinLnBrk="0" hangingPunct="1">
+              <a:spcBef>
+                <a:spcPct val="20000"/>
+              </a:spcBef>
+              <a:spcAft>
+                <a:spcPts val="600"/>
+              </a:spcAft>
+              <a:buClr>
+                <a:schemeClr val="tx1"/>
+              </a:buClr>
+              <a:buSzPct val="80000"/>
+              <a:buFontTx/>
+              <a:buNone/>
+              <a:defRPr sz="1600" kern="1200" cap="none">
+                <a:solidFill>
+                  <a:schemeClr val="bg2">
+                    <a:lumMod val="75000"/>
+                  </a:schemeClr>
+                </a:solidFill>
+                <a:effectLst/>
+                <a:latin typeface="+mn-lt"/>
+                <a:ea typeface="+mn-ea"/>
+                <a:cs typeface="+mn-cs"/>
+              </a:defRPr>
+            </a:lvl3pPr>
+            <a:lvl4pPr marL="1371600" indent="0" algn="l" defTabSz="457200" rtl="0" eaLnBrk="1" latinLnBrk="0" hangingPunct="1">
+              <a:spcBef>
+                <a:spcPct val="20000"/>
+              </a:spcBef>
+              <a:spcAft>
+                <a:spcPts val="600"/>
+              </a:spcAft>
+              <a:buClr>
+                <a:schemeClr val="tx1"/>
+              </a:buClr>
+              <a:buSzPct val="80000"/>
+              <a:buFontTx/>
+              <a:buNone/>
+              <a:defRPr sz="1400" kern="1200" cap="none">
+                <a:solidFill>
+                  <a:schemeClr val="bg2">
+                    <a:lumMod val="75000"/>
+                  </a:schemeClr>
+                </a:solidFill>
+                <a:effectLst/>
+                <a:latin typeface="+mn-lt"/>
+                <a:ea typeface="+mn-ea"/>
+                <a:cs typeface="+mn-cs"/>
+              </a:defRPr>
+            </a:lvl4pPr>
+            <a:lvl5pPr marL="1828800" indent="0" algn="l" defTabSz="457200" rtl="0" eaLnBrk="1" latinLnBrk="0" hangingPunct="1">
+              <a:spcBef>
+                <a:spcPct val="20000"/>
+              </a:spcBef>
+              <a:spcAft>
+                <a:spcPts val="600"/>
+              </a:spcAft>
+              <a:buClr>
+                <a:schemeClr val="tx1"/>
+              </a:buClr>
+              <a:buSzPct val="80000"/>
+              <a:buFontTx/>
+              <a:buNone/>
+              <a:defRPr sz="1400" kern="1200" cap="none">
+                <a:solidFill>
+                  <a:schemeClr val="bg2">
+                    <a:lumMod val="75000"/>
+                  </a:schemeClr>
+                </a:solidFill>
+                <a:effectLst/>
+                <a:latin typeface="+mn-lt"/>
+                <a:ea typeface="+mn-ea"/>
+                <a:cs typeface="+mn-cs"/>
+              </a:defRPr>
+            </a:lvl5pPr>
+            <a:lvl6pPr marL="2514600" indent="-228600" algn="l" defTabSz="457200" rtl="0" eaLnBrk="1" latinLnBrk="0" hangingPunct="1">
+              <a:spcBef>
+                <a:spcPct val="20000"/>
+              </a:spcBef>
+              <a:spcAft>
+                <a:spcPts val="600"/>
+              </a:spcAft>
+              <a:buClr>
+                <a:schemeClr val="tx1"/>
+              </a:buClr>
+              <a:buSzPct val="80000"/>
+              <a:buFont typeface="Wingdings 3" panose="05040102010807070707" pitchFamily="18" charset="2"/>
+              <a:buChar char=""/>
+              <a:defRPr sz="1400" kern="1200" cap="none">
+                <a:solidFill>
+                  <a:schemeClr val="bg2">
+                    <a:lumMod val="75000"/>
+                  </a:schemeClr>
+                </a:solidFill>
+                <a:effectLst/>
+                <a:latin typeface="+mn-lt"/>
+                <a:ea typeface="+mn-ea"/>
+                <a:cs typeface="+mn-cs"/>
+              </a:defRPr>
+            </a:lvl6pPr>
+            <a:lvl7pPr marL="2971800" indent="-228600" algn="l" defTabSz="457200" rtl="0" eaLnBrk="1" latinLnBrk="0" hangingPunct="1">
+              <a:spcBef>
+                <a:spcPct val="20000"/>
+              </a:spcBef>
+              <a:spcAft>
+                <a:spcPts val="600"/>
+              </a:spcAft>
+              <a:buClr>
+                <a:schemeClr val="tx1"/>
+              </a:buClr>
+              <a:buSzPct val="80000"/>
+              <a:buFont typeface="Wingdings 3" panose="05040102010807070707" pitchFamily="18" charset="2"/>
+              <a:buChar char=""/>
+              <a:defRPr sz="1400" kern="1200" cap="none">
+                <a:solidFill>
+                  <a:schemeClr val="bg2">
+                    <a:lumMod val="75000"/>
+                  </a:schemeClr>
+                </a:solidFill>
+                <a:effectLst/>
+                <a:latin typeface="+mn-lt"/>
+                <a:ea typeface="+mn-ea"/>
+                <a:cs typeface="+mn-cs"/>
+              </a:defRPr>
+            </a:lvl7pPr>
+            <a:lvl8pPr marL="3429000" indent="-228600" algn="l" defTabSz="457200" rtl="0" eaLnBrk="1" latinLnBrk="0" hangingPunct="1">
+              <a:spcBef>
+                <a:spcPct val="20000"/>
+              </a:spcBef>
+              <a:spcAft>
+                <a:spcPts val="600"/>
+              </a:spcAft>
+              <a:buClr>
+                <a:schemeClr val="tx1"/>
+              </a:buClr>
+              <a:buSzPct val="80000"/>
+              <a:buFont typeface="Wingdings 3" panose="05040102010807070707" pitchFamily="18" charset="2"/>
+              <a:buChar char=""/>
+              <a:defRPr sz="1400" kern="1200" cap="none">
+                <a:solidFill>
+                  <a:schemeClr val="bg2">
+                    <a:lumMod val="75000"/>
+                  </a:schemeClr>
+                </a:solidFill>
+                <a:effectLst/>
+                <a:latin typeface="+mn-lt"/>
+                <a:ea typeface="+mn-ea"/>
+                <a:cs typeface="+mn-cs"/>
+              </a:defRPr>
+            </a:lvl8pPr>
+            <a:lvl9pPr marL="3886200" indent="-228600" algn="l" defTabSz="457200" rtl="0" eaLnBrk="1" latinLnBrk="0" hangingPunct="1">
+              <a:spcBef>
+                <a:spcPct val="20000"/>
+              </a:spcBef>
+              <a:spcAft>
+                <a:spcPts val="600"/>
+              </a:spcAft>
+              <a:buClr>
+                <a:schemeClr val="tx1"/>
+              </a:buClr>
+              <a:buSzPct val="80000"/>
+              <a:buFont typeface="Wingdings 3" panose="05040102010807070707" pitchFamily="18" charset="2"/>
+              <a:buChar char=""/>
+              <a:defRPr sz="1400" kern="1200" cap="none">
+                <a:solidFill>
+                  <a:schemeClr val="bg2">
+                    <a:lumMod val="75000"/>
+                  </a:schemeClr>
+                </a:solidFill>
+                <a:effectLst/>
+                <a:latin typeface="+mn-lt"/>
+                <a:ea typeface="+mn-ea"/>
+                <a:cs typeface="+mn-cs"/>
+              </a:defRPr>
+            </a:lvl9pPr>
+          </a:lstStyle>
+          <a:p>
+            <a:pPr marL="285750" indent="-285750">
+              <a:buFont typeface="Arial" panose="020B0604020202020204" pitchFamily="34" charset="0"/>
+              <a:buChar char="•"/>
+            </a:pPr>
+            <a:r>
+              <a:rPr lang="en-US" sz="2800" dirty="0">
+                <a:solidFill>
+                  <a:srgbClr val="FFFF00"/>
+                </a:solidFill>
+                <a:latin typeface="Bell MT" panose="02020503060305020303" pitchFamily="18" charset="0"/>
+              </a:rPr>
+              <a:t>Id</a:t>
+            </a:r>
+          </a:p>
+          <a:p>
+            <a:pPr marL="285750" indent="-285750">
+              <a:buFont typeface="Arial" panose="020B0604020202020204" pitchFamily="34" charset="0"/>
+              <a:buChar char="•"/>
+            </a:pPr>
+            <a:r>
+              <a:rPr lang="en-US" sz="2800" dirty="0">
+                <a:solidFill>
+                  <a:srgbClr val="FFFF00"/>
+                </a:solidFill>
+                <a:latin typeface="Bell MT" panose="02020503060305020303" pitchFamily="18" charset="0"/>
+              </a:rPr>
+              <a:t>Order</a:t>
+            </a:r>
+          </a:p>
+          <a:p>
+            <a:pPr marL="285750" indent="-285750">
+              <a:buFont typeface="Arial" panose="020B0604020202020204" pitchFamily="34" charset="0"/>
+              <a:buChar char="•"/>
+            </a:pPr>
+            <a:r>
+              <a:rPr lang="en-US" sz="2800" dirty="0">
+                <a:solidFill>
+                  <a:srgbClr val="FFFF00"/>
+                </a:solidFill>
+                <a:latin typeface="Bell MT" panose="02020503060305020303" pitchFamily="18" charset="0"/>
+              </a:rPr>
+              <a:t>Amount</a:t>
+            </a:r>
+          </a:p>
+          <a:p>
+            <a:pPr marL="285750" indent="-285750">
+              <a:buFont typeface="Arial" panose="020B0604020202020204" pitchFamily="34" charset="0"/>
+              <a:buChar char="•"/>
+            </a:pPr>
+            <a:endParaRPr lang="ru-RU" dirty="0"/>
+          </a:p>
+        </p:txBody>
+      </p:sp>
+      <p:sp>
+        <p:nvSpPr>
+          <p:cNvPr id="6" name="Заголовок 1"/>
+          <p:cNvSpPr txBox="1">
+            <a:spLocks/>
+          </p:cNvSpPr>
+          <p:nvPr/>
+        </p:nvSpPr>
+        <p:spPr>
+          <a:xfrm>
+            <a:off x="7814733" y="304800"/>
+            <a:ext cx="2484174" cy="1507067"/>
+          </a:xfrm>
+          <a:prstGeom prst="rect">
+            <a:avLst/>
+          </a:prstGeom>
+          <a:effectLst/>
+        </p:spPr>
+        <p:txBody>
+          <a:bodyPr vert="horz" lIns="91440" tIns="45720" rIns="91440" bIns="45720" rtlCol="0" anchor="ctr">
             <a:normAutofit/>
           </a:bodyPr>
-          <a:lstStyle/>
-          <a:p>
-            <a:r>
-              <a:rPr lang="en-US" sz="4800" dirty="0">
+          <a:lstStyle>
+            <a:lvl1pPr algn="l" defTabSz="457200" rtl="0" eaLnBrk="1" latinLnBrk="0" hangingPunct="1">
+              <a:spcBef>
+                <a:spcPct val="0"/>
+              </a:spcBef>
+              <a:buNone/>
+              <a:defRPr sz="3600" kern="1200" cap="all">
+                <a:ln w="3175" cmpd="sng">
+                  <a:noFill/>
+                </a:ln>
+                <a:solidFill>
+                  <a:schemeClr val="tx1"/>
+                </a:solidFill>
+                <a:effectLst/>
+                <a:latin typeface="+mj-lt"/>
+                <a:ea typeface="+mj-ea"/>
+                <a:cs typeface="+mj-cs"/>
+              </a:defRPr>
+            </a:lvl1pPr>
+            <a:lvl2pPr eaLnBrk="1" hangingPunct="1">
+              <a:defRPr>
+                <a:solidFill>
+                  <a:schemeClr val="tx2"/>
+                </a:solidFill>
+              </a:defRPr>
+            </a:lvl2pPr>
+            <a:lvl3pPr eaLnBrk="1" hangingPunct="1">
+              <a:defRPr>
+                <a:solidFill>
+                  <a:schemeClr val="tx2"/>
+                </a:solidFill>
+              </a:defRPr>
+            </a:lvl3pPr>
+            <a:lvl4pPr eaLnBrk="1" hangingPunct="1">
+              <a:defRPr>
+                <a:solidFill>
+                  <a:schemeClr val="tx2"/>
+                </a:solidFill>
+              </a:defRPr>
+            </a:lvl4pPr>
+            <a:lvl5pPr eaLnBrk="1" hangingPunct="1">
+              <a:defRPr>
+                <a:solidFill>
+                  <a:schemeClr val="tx2"/>
+                </a:solidFill>
+              </a:defRPr>
+            </a:lvl5pPr>
+            <a:lvl6pPr eaLnBrk="1" hangingPunct="1">
+              <a:defRPr>
+                <a:solidFill>
+                  <a:schemeClr val="tx2"/>
+                </a:solidFill>
+              </a:defRPr>
+            </a:lvl6pPr>
+            <a:lvl7pPr eaLnBrk="1" hangingPunct="1">
+              <a:defRPr>
+                <a:solidFill>
+                  <a:schemeClr val="tx2"/>
+                </a:solidFill>
+              </a:defRPr>
+            </a:lvl7pPr>
+            <a:lvl8pPr eaLnBrk="1" hangingPunct="1">
+              <a:defRPr>
+                <a:solidFill>
+                  <a:schemeClr val="tx2"/>
+                </a:solidFill>
+              </a:defRPr>
+            </a:lvl8pPr>
+            <a:lvl9pPr eaLnBrk="1" hangingPunct="1">
+              <a:defRPr>
+                <a:solidFill>
+                  <a:schemeClr val="tx2"/>
+                </a:solidFill>
+              </a:defRPr>
+            </a:lvl9pPr>
+          </a:lstStyle>
+          <a:p>
+            <a:pPr algn="ctr"/>
+            <a:r>
+              <a:rPr lang="en-US" dirty="0">
+                <a:solidFill>
+                  <a:srgbClr val="FFFF00"/>
+                </a:solidFill>
                 <a:latin typeface="Bell MT" panose="02020503060305020303" pitchFamily="18" charset="0"/>
               </a:rPr>
-              <a:t>Contains Author and Genre information in separate table </a:t>
-            </a:r>
-          </a:p>
-        </p:txBody>
-      </p:sp>
+              <a:t>Payment</a:t>
+            </a:r>
+            <a:r>
+              <a:rPr lang="en-US" dirty="0"/>
+              <a:t>	</a:t>
+            </a:r>
+            <a:endParaRPr lang="ru-RU" dirty="0"/>
+          </a:p>
+        </p:txBody>
+      </p:sp>
+      <p:pic>
+        <p:nvPicPr>
+          <p:cNvPr id="7" name="Picture 6">
+            <a:extLst>
+              <a:ext uri="{FF2B5EF4-FFF2-40B4-BE49-F238E27FC236}">
+                <a16:creationId xmlns:a16="http://schemas.microsoft.com/office/drawing/2014/main" id="{0B18D1F3-2962-A80E-AF85-09CEB35F7FCB}"/>
+              </a:ext>
+            </a:extLst>
+          </p:cNvPr>
+          <p:cNvPicPr>
+            <a:picLocks noChangeAspect="1"/>
+          </p:cNvPicPr>
+          <p:nvPr/>
+        </p:nvPicPr>
+        <p:blipFill>
+          <a:blip r:embed="rId2"/>
+          <a:stretch>
+            <a:fillRect/>
+          </a:stretch>
+        </p:blipFill>
+        <p:spPr>
+          <a:xfrm>
+            <a:off x="0" y="0"/>
+            <a:ext cx="12192000" cy="6941393"/>
+          </a:xfrm>
+          <a:prstGeom prst="rect">
+            <a:avLst/>
+          </a:prstGeom>
+        </p:spPr>
+      </p:pic>
     </p:spTree>
     <p:extLst>
       <p:ext uri="{BB962C8B-B14F-4D97-AF65-F5344CB8AC3E}">
-        <p14:creationId xmlns:p14="http://schemas.microsoft.com/office/powerpoint/2010/main" val="803404426"/>
+        <p14:creationId xmlns:p14="http://schemas.microsoft.com/office/powerpoint/2010/main" val="1800361806"/>
       </p:ext>
     </p:extLst>
   </p:cSld>
@@ -5476,7 +6161,7 @@
                 <a:latin typeface="Times New Roman" panose="02020603050405020304" pitchFamily="18" charset="0"/>
                 <a:cs typeface="Times New Roman" panose="02020603050405020304" pitchFamily="18" charset="0"/>
               </a:rPr>
-              <a:t>Book</a:t>
+              <a:t>Entities</a:t>
             </a:r>
             <a:endParaRPr lang="ru-RU" dirty="0">
               <a:latin typeface="Times New Roman" panose="02020603050405020304" pitchFamily="18" charset="0"/>
@@ -5508,18 +6193,71 @@
           <a:lstStyle/>
           <a:p>
             <a:r>
-              <a:rPr lang="en-US" sz="4800" dirty="0">
+              <a:rPr lang="en-US" sz="4000" dirty="0">
+                <a:solidFill>
+                  <a:schemeClr val="tx1"/>
+                </a:solidFill>
                 <a:latin typeface="Bell MT" panose="02020503060305020303" pitchFamily="18" charset="0"/>
               </a:rPr>
-              <a:t>Contains book information with Author, Genre relation</a:t>
-            </a:r>
+              <a:t>Book</a:t>
+            </a:r>
+          </a:p>
+          <a:p>
+            <a:r>
+              <a:rPr lang="en-US" sz="4000" dirty="0">
+                <a:solidFill>
+                  <a:schemeClr val="tx1"/>
+                </a:solidFill>
+                <a:latin typeface="Bell MT" panose="02020503060305020303" pitchFamily="18" charset="0"/>
+              </a:rPr>
+              <a:t>User</a:t>
+            </a:r>
+          </a:p>
+          <a:p>
+            <a:r>
+              <a:rPr lang="en-US" sz="4000" dirty="0">
+                <a:solidFill>
+                  <a:schemeClr val="tx1"/>
+                </a:solidFill>
+                <a:latin typeface="Bell MT" panose="02020503060305020303" pitchFamily="18" charset="0"/>
+              </a:rPr>
+              <a:t>Author</a:t>
+            </a:r>
+          </a:p>
+          <a:p>
+            <a:r>
+              <a:rPr lang="en-US" sz="4000" dirty="0">
+                <a:solidFill>
+                  <a:schemeClr val="tx1"/>
+                </a:solidFill>
+                <a:latin typeface="Bell MT" panose="02020503060305020303" pitchFamily="18" charset="0"/>
+              </a:rPr>
+              <a:t>Genre</a:t>
+            </a:r>
+          </a:p>
+          <a:p>
+            <a:r>
+              <a:rPr lang="en-US" sz="4000" dirty="0" err="1">
+                <a:solidFill>
+                  <a:schemeClr val="tx1"/>
+                </a:solidFill>
+                <a:latin typeface="Bell MT" panose="02020503060305020303" pitchFamily="18" charset="0"/>
+              </a:rPr>
+              <a:t>BookUser</a:t>
+            </a:r>
+            <a:endParaRPr lang="en-US" sz="4000" dirty="0">
+              <a:solidFill>
+                <a:schemeClr val="tx1"/>
+              </a:solidFill>
+              <a:latin typeface="Bell MT" panose="02020503060305020303" pitchFamily="18" charset="0"/>
+            </a:endParaRPr>
           </a:p>
         </p:txBody>
       </p:sp>
     </p:spTree>
     <p:extLst>
       <p:ext uri="{BB962C8B-B14F-4D97-AF65-F5344CB8AC3E}">
-        <p14:creationId xmlns:p14="http://schemas.microsoft.com/office/powerpoint/2010/main" val="2354325444"/>
+        <p14:creationId xmlns:p14="http://schemas.microsoft.com/office/powerpoint/2010/main" val="3423822448"/>
       </p:ext>
     </p:extLst>
   </p:cSld>
@@ -5572,7 +6310,7 @@
                 <a:latin typeface="Times New Roman" panose="02020603050405020304" pitchFamily="18" charset="0"/>
                 <a:cs typeface="Times New Roman" panose="02020603050405020304" pitchFamily="18" charset="0"/>
               </a:rPr>
-              <a:t>User</a:t>
+              <a:t>Author and Genre</a:t>
             </a:r>
             <a:endParaRPr lang="ru-RU" dirty="0">
               <a:latin typeface="Times New Roman" panose="02020603050405020304" pitchFamily="18" charset="0"/>
@@ -5604,42 +6342,26 @@
           <a:lstStyle/>
           <a:p>
             <a:r>
-              <a:rPr lang="en-US" sz="3200" dirty="0">
+              <a:rPr lang="en-US" sz="4000" dirty="0">
                 <a:latin typeface="Bell MT" panose="02020503060305020303" pitchFamily="18" charset="0"/>
               </a:rPr>
-              <a:t>Contains user information with</a:t>
-            </a:r>
-          </a:p>
-          <a:p>
-            <a:r>
-              <a:rPr lang="en-US" sz="3200" dirty="0">
+              <a:t>Author (Full Name, Birth Date)</a:t>
+            </a:r>
+          </a:p>
+          <a:p>
+            <a:r>
+              <a:rPr lang="en-US" sz="4000" dirty="0">
                 <a:latin typeface="Bell MT" panose="02020503060305020303" pitchFamily="18" charset="0"/>
               </a:rPr>
-              <a:t>Users Role</a:t>
-            </a:r>
-          </a:p>
-          <a:p>
-            <a:r>
-              <a:rPr lang="en-US" sz="3200" dirty="0">
+              <a:t>Genre(Name unique)</a:t>
+            </a:r>
+          </a:p>
+          <a:p>
+            <a:r>
+              <a:rPr lang="en-US" sz="4000" dirty="0">
                 <a:latin typeface="Bell MT" panose="02020503060305020303" pitchFamily="18" charset="0"/>
               </a:rPr>
-              <a:t>There will be two roles </a:t>
-            </a:r>
-          </a:p>
-          <a:p>
-            <a:r>
-              <a:rPr lang="en-US" sz="3200" dirty="0">
-                <a:latin typeface="Bell MT" panose="02020503060305020303" pitchFamily="18" charset="0"/>
-              </a:rPr>
-              <a:t>User – can see taken books and available books</a:t>
-            </a:r>
-          </a:p>
-          <a:p>
-            <a:r>
-              <a:rPr lang="en-US" sz="3200" dirty="0">
-                <a:latin typeface="Bell MT" panose="02020503060305020303" pitchFamily="18" charset="0"/>
-              </a:rPr>
-              <a:t>Admin – can manage all contents like Author(CRUD), Genre(CRUD), Book(CRUD) and can add Admin also</a:t>
+              <a:t>Information in separate tables</a:t>
             </a:r>
           </a:p>
         </p:txBody>
@@ -5647,7 +6369,7 @@
     </p:spTree>
     <p:extLst>
       <p:ext uri="{BB962C8B-B14F-4D97-AF65-F5344CB8AC3E}">
-        <p14:creationId xmlns:p14="http://schemas.microsoft.com/office/powerpoint/2010/main" val="1210996525"/>
+        <p14:creationId xmlns:p14="http://schemas.microsoft.com/office/powerpoint/2010/main" val="803404426"/>
       </p:ext>
     </p:extLst>
   </p:cSld>
@@ -5687,7 +6409,7 @@
         <p:spPr>
           <a:xfrm>
             <a:off x="1696773" y="220132"/>
-            <a:ext cx="8534400" cy="1507067"/>
+            <a:ext cx="8534400" cy="769769"/>
           </a:xfrm>
         </p:spPr>
         <p:txBody>
@@ -5700,7 +6422,7 @@
                 <a:latin typeface="Times New Roman" panose="02020603050405020304" pitchFamily="18" charset="0"/>
                 <a:cs typeface="Times New Roman" panose="02020603050405020304" pitchFamily="18" charset="0"/>
               </a:rPr>
-              <a:t>Features of Web Application</a:t>
+              <a:t>Book</a:t>
             </a:r>
             <a:endParaRPr lang="ru-RU" dirty="0">
               <a:latin typeface="Times New Roman" panose="02020603050405020304" pitchFamily="18" charset="0"/>
@@ -5709,69 +6431,54 @@
           </a:p>
         </p:txBody>
       </p:sp>
-      <p:pic>
-        <p:nvPicPr>
-          <p:cNvPr id="5" name="Content Placeholder 4">
-            <a:extLst>
-              <a:ext uri="{FF2B5EF4-FFF2-40B4-BE49-F238E27FC236}">
-                <a16:creationId xmlns:a16="http://schemas.microsoft.com/office/drawing/2014/main" id="{102A868C-5968-1E4E-198C-44E8880A02E7}"/>
-              </a:ext>
-            </a:extLst>
-          </p:cNvPr>
-          <p:cNvPicPr>
-            <a:picLocks noGrp="1" noChangeAspect="1"/>
-          </p:cNvPicPr>
+      <p:sp>
+        <p:nvSpPr>
+          <p:cNvPr id="3" name="Объект 2"/>
+          <p:cNvSpPr>
+            <a:spLocks noGrp="1"/>
+          </p:cNvSpPr>
           <p:nvPr>
             <p:ph idx="1"/>
           </p:nvPr>
-        </p:nvPicPr>
-        <p:blipFill>
-          <a:blip r:embed="rId2"/>
-          <a:stretch>
-            <a:fillRect/>
-          </a:stretch>
-        </p:blipFill>
-        <p:spPr>
-          <a:xfrm>
-            <a:off x="495300" y="2063643"/>
-            <a:ext cx="4719346" cy="3067159"/>
-          </a:xfrm>
-        </p:spPr>
-      </p:pic>
-      <p:pic>
-        <p:nvPicPr>
-          <p:cNvPr id="7" name="Picture 6">
-            <a:extLst>
-              <a:ext uri="{FF2B5EF4-FFF2-40B4-BE49-F238E27FC236}">
-                <a16:creationId xmlns:a16="http://schemas.microsoft.com/office/drawing/2014/main" id="{2C2E92C1-7E26-9C08-88F5-A6624BA3B51A}"/>
-              </a:ext>
-            </a:extLst>
-          </p:cNvPr>
-          <p:cNvPicPr>
-            <a:picLocks noChangeAspect="1"/>
-          </p:cNvPicPr>
-          <p:nvPr/>
-        </p:nvPicPr>
-        <p:blipFill>
-          <a:blip r:embed="rId3"/>
-          <a:stretch>
-            <a:fillRect/>
-          </a:stretch>
-        </p:blipFill>
-        <p:spPr>
-          <a:xfrm rot="10800000" flipH="1" flipV="1">
-            <a:off x="5953125" y="1758008"/>
-            <a:ext cx="5838825" cy="3238662"/>
-          </a:xfrm>
-          <a:prstGeom prst="rect">
-            <a:avLst/>
-          </a:prstGeom>
-        </p:spPr>
-      </p:pic>
+        </p:nvSpPr>
+        <p:spPr>
+          <a:xfrm>
+            <a:off x="1696773" y="1803400"/>
+            <a:ext cx="8878093" cy="4148667"/>
+          </a:xfrm>
+        </p:spPr>
+        <p:txBody>
+          <a:bodyPr>
+            <a:normAutofit/>
+          </a:bodyPr>
+          <a:lstStyle/>
+          <a:p>
+            <a:r>
+              <a:rPr lang="en-US" sz="3600" dirty="0">
+                <a:latin typeface="Bell MT" panose="02020503060305020303" pitchFamily="18" charset="0"/>
+              </a:rPr>
+              <a:t>Book(Name, Cost, Pages, Number of books and Genre and Author)</a:t>
+            </a:r>
+          </a:p>
+          <a:p>
+            <a:r>
+              <a:rPr lang="en-US" sz="3600" dirty="0">
+                <a:latin typeface="Bell MT" panose="02020503060305020303" pitchFamily="18" charset="0"/>
+              </a:rPr>
+              <a:t>Contains book information with Author, Genre relation</a:t>
+            </a:r>
+          </a:p>
+          <a:p>
+            <a:endParaRPr lang="en-US" sz="4400" dirty="0">
+              <a:latin typeface="Bell MT" panose="02020503060305020303" pitchFamily="18" charset="0"/>
+            </a:endParaRPr>
+          </a:p>
+        </p:txBody>
+      </p:sp>
     </p:spTree>
     <p:extLst>
       <p:ext uri="{BB962C8B-B14F-4D97-AF65-F5344CB8AC3E}">
-        <p14:creationId xmlns:p14="http://schemas.microsoft.com/office/powerpoint/2010/main" val="1979377109"/>
+        <p14:creationId xmlns:p14="http://schemas.microsoft.com/office/powerpoint/2010/main" val="2354325444"/>
       </p:ext>
     </p:extLst>
   </p:cSld>
